--- a/thesis_paper/poster04.pptx
+++ b/thesis_paper/poster04.pptx
@@ -3076,35 +3076,32 @@
               <a:rPr lang="en-US" sz="3600" dirty="0"/>
               <a:t>I. John Alamina</a:t>
             </a:r>
+          </a:p>
+          <a:p>
+            <a:r>
+              <a:rPr lang="en-US" sz="3600" dirty="0"/>
+              <a:t>University of Huddersfield</a:t>
+            </a:r>
+          </a:p>
+          <a:p>
+            <a:r>
+              <a:rPr lang="en-US" sz="3600" dirty="0" err="1"/>
+              <a:t>Email:john.alamina@hud.ac.uk</a:t>
+            </a:r>
             <a:endParaRPr lang="en-US" sz="3600" dirty="0"/>
           </a:p>
           <a:p>
             <a:r>
-              <a:rPr lang="en-US" sz="3600" dirty="0"/>
-              <a:t>University of Huddersfield</a:t>
+              <a:rPr lang="en-US" sz="3600" dirty="0" err="1"/>
+              <a:t>Website:www.hud.ac.uk</a:t>
             </a:r>
             <a:endParaRPr lang="en-US" sz="3600" dirty="0"/>
           </a:p>
           <a:p>
             <a:r>
-              <a:rPr lang="en-US" sz="3600" dirty="0" err="1"/>
-              <a:t>Email:john.alamina@hud.ac.uk</a:t>
-            </a:r>
-            <a:endParaRPr lang="en-US" sz="3600" dirty="0"/>
-          </a:p>
-          <a:p>
-            <a:r>
-              <a:rPr lang="en-US" sz="3600" dirty="0" err="1"/>
-              <a:t>Website:www.hud.ac.uk</a:t>
-            </a:r>
-            <a:endParaRPr lang="en-US" sz="3600" dirty="0"/>
-          </a:p>
-          <a:p>
-            <a:r>
               <a:rPr lang="en-US" sz="3600" dirty="0"/>
               <a:t>Phone:07459136287</a:t>
             </a:r>
-            <a:endParaRPr lang="en-US" sz="3600" dirty="0"/>
           </a:p>
         </p:txBody>
       </p:sp>
@@ -3145,8 +3142,8 @@
         </p:nvSpPr>
         <p:spPr>
           <a:xfrm>
-            <a:off x="21782881" y="26231873"/>
-            <a:ext cx="18429397" cy="2925532"/>
+            <a:off x="21782881" y="26332656"/>
+            <a:ext cx="18429397" cy="2640722"/>
           </a:xfrm>
           <a:prstGeom prst="rect">
             <a:avLst/>
@@ -3164,8 +3161,28 @@
               <a:buAutoNum type="arabicPeriod"/>
             </a:pPr>
             <a:r>
-              <a:rPr lang="en-US" sz="1800" dirty="0"/>
-              <a:t> </a:t>
+              <a:rPr lang="en-US" sz="2000" dirty="0" err="1"/>
+              <a:t>Anden</a:t>
+            </a:r>
+            <a:r>
+              <a:rPr lang="en-US" sz="2000" dirty="0"/>
+              <a:t>, </a:t>
+            </a:r>
+            <a:r>
+              <a:rPr lang="en-US" sz="2000" dirty="0" err="1"/>
+              <a:t>Joakim</a:t>
+            </a:r>
+            <a:r>
+              <a:rPr lang="en-US" sz="2000" dirty="0"/>
+              <a:t>, and Stephane </a:t>
+            </a:r>
+            <a:r>
+              <a:rPr lang="en-US" sz="2000" dirty="0" err="1"/>
+              <a:t>Mallat</a:t>
+            </a:r>
+            <a:r>
+              <a:rPr lang="en-US" sz="2000" dirty="0"/>
+              <a:t>. “Deep Scattering Spectrum.” IEEE Transactions on Signal Processing, vol. 62, no. 16, 2014, pp. 4114–4128., doi:10.1109/tsp.2014.2326991.</a:t>
             </a:r>
           </a:p>
           <a:p>
@@ -3174,8 +3191,8 @@
               <a:buAutoNum type="arabicPeriod"/>
             </a:pPr>
             <a:r>
-              <a:rPr lang="en-US" sz="1800" dirty="0"/>
-              <a:t> </a:t>
+              <a:rPr lang="en-US" sz="2000" dirty="0"/>
+              <a:t>“Common Voice by Mozilla.” Common Voice, voice.mozilla.org/.</a:t>
             </a:r>
           </a:p>
           <a:p>
@@ -3184,8 +3201,12 @@
               <a:buAutoNum type="arabicPeriod"/>
             </a:pPr>
             <a:r>
-              <a:rPr lang="en-US" sz="1800" dirty="0"/>
-              <a:t> </a:t>
+              <a:rPr lang="en-US" sz="2000" dirty="0"/>
+              <a:t>Graves, Alex. “Connectionist Temporal Classification.” Studies in Computational Intelligence Supervised Sequence Labelling with Recurrent Neural Networks, 2012, pp. 61–93., doi:10.1007/978-3-642-24797-2_7</a:t>
+            </a:r>
+            <a:r>
+              <a:rPr lang="en-US" sz="2000" dirty="0" smtClean="0"/>
+              <a:t>.</a:t>
             </a:r>
           </a:p>
           <a:p>
@@ -3194,8 +3215,36 @@
               <a:buAutoNum type="arabicPeriod"/>
             </a:pPr>
             <a:r>
-              <a:rPr lang="en-US" sz="1800" dirty="0"/>
-              <a:t> </a:t>
+              <a:rPr lang="en-US" sz="2000" dirty="0" err="1"/>
+              <a:t>Hannun</a:t>
+            </a:r>
+            <a:r>
+              <a:rPr lang="en-US" sz="2000" dirty="0"/>
+              <a:t>, </a:t>
+            </a:r>
+            <a:r>
+              <a:rPr lang="en-US" sz="2000" dirty="0" err="1"/>
+              <a:t>Awni</a:t>
+            </a:r>
+            <a:r>
+              <a:rPr lang="en-US" sz="2000" dirty="0"/>
+              <a:t> Y., et al. "First-pass large vocabulary continuous speech recognition using bi-directional recurrent </a:t>
+            </a:r>
+            <a:r>
+              <a:rPr lang="en-US" sz="2000" dirty="0" err="1"/>
+              <a:t>dnns</a:t>
+            </a:r>
+            <a:r>
+              <a:rPr lang="en-US" sz="2000" dirty="0"/>
+              <a:t>." </a:t>
+            </a:r>
+            <a:r>
+              <a:rPr lang="en-US" sz="2000" dirty="0" err="1"/>
+              <a:t>arXiv</a:t>
+            </a:r>
+            <a:r>
+              <a:rPr lang="en-US" sz="2000" dirty="0"/>
+              <a:t> preprint arXiv:1408.2873 (2014).</a:t>
             </a:r>
           </a:p>
           <a:p>
@@ -3204,8 +3253,32 @@
               <a:buAutoNum type="arabicPeriod"/>
             </a:pPr>
             <a:r>
-              <a:rPr lang="en-US" sz="1800" dirty="0"/>
-              <a:t> </a:t>
+              <a:rPr lang="en-US" sz="2000" dirty="0"/>
+              <a:t>Mozilla. “Mozilla/</a:t>
+            </a:r>
+            <a:r>
+              <a:rPr lang="en-US" sz="2000" dirty="0" err="1"/>
+              <a:t>DeepSpeech</a:t>
+            </a:r>
+            <a:r>
+              <a:rPr lang="en-US" sz="2000" dirty="0"/>
+              <a:t>.” GitHub, 18 June 2019, github.com/</a:t>
+            </a:r>
+            <a:r>
+              <a:rPr lang="en-US" sz="2000" dirty="0" err="1"/>
+              <a:t>mozilla</a:t>
+            </a:r>
+            <a:r>
+              <a:rPr lang="en-US" sz="2000" dirty="0"/>
+              <a:t>/</a:t>
+            </a:r>
+            <a:r>
+              <a:rPr lang="en-US" sz="2000" dirty="0" err="1"/>
+              <a:t>DeepSpeech</a:t>
+            </a:r>
+            <a:r>
+              <a:rPr lang="en-US" sz="2000" dirty="0"/>
+              <a:t>.</a:t>
             </a:r>
           </a:p>
           <a:p>
@@ -3214,56 +3287,21 @@
               <a:buAutoNum type="arabicPeriod"/>
             </a:pPr>
             <a:r>
-              <a:rPr lang="en-US" sz="1800" dirty="0"/>
-              <a:t> </a:t>
-            </a:r>
-          </a:p>
-          <a:p>
-            <a:pPr marL="594537" indent="-594537">
-              <a:buFont typeface="+mj-lt"/>
-              <a:buAutoNum type="arabicPeriod"/>
-            </a:pPr>
-            <a:r>
-              <a:rPr lang="en-US" sz="1800" dirty="0"/>
-              <a:t> </a:t>
-            </a:r>
-          </a:p>
-          <a:p>
-            <a:pPr marL="594537" indent="-594537">
-              <a:buFont typeface="+mj-lt"/>
-              <a:buAutoNum type="arabicPeriod"/>
-            </a:pPr>
-            <a:r>
-              <a:rPr lang="en-US" sz="1800" dirty="0"/>
-              <a:t> </a:t>
-            </a:r>
-          </a:p>
-          <a:p>
-            <a:pPr marL="594537" indent="-594537">
-              <a:buFont typeface="+mj-lt"/>
-              <a:buAutoNum type="arabicPeriod"/>
-            </a:pPr>
-            <a:r>
-              <a:rPr lang="en-US" sz="1800" dirty="0"/>
-              <a:t> </a:t>
-            </a:r>
-          </a:p>
-          <a:p>
-            <a:pPr marL="594537" indent="-594537">
-              <a:buFont typeface="+mj-lt"/>
-              <a:buAutoNum type="arabicPeriod"/>
-            </a:pPr>
-            <a:r>
-              <a:rPr lang="en-US" sz="1800" dirty="0"/>
-              <a:t>  </a:t>
-            </a:r>
-          </a:p>
-          <a:p>
-            <a:pPr marL="594537" indent="-594537">
-              <a:buFont typeface="+mj-lt"/>
-              <a:buAutoNum type="arabicPeriod"/>
-            </a:pPr>
-            <a:endParaRPr lang="en-US" sz="1800" dirty="0"/>
+              <a:rPr lang="en-US" sz="2000" dirty="0" err="1"/>
+              <a:t>Zeghidour</a:t>
+            </a:r>
+            <a:r>
+              <a:rPr lang="en-US" sz="2000" dirty="0"/>
+              <a:t>, Neil, et al. “Learning </a:t>
+            </a:r>
+            <a:r>
+              <a:rPr lang="en-US" sz="2000" dirty="0" err="1"/>
+              <a:t>Filterbanks</a:t>
+            </a:r>
+            <a:r>
+              <a:rPr lang="en-US" sz="2000" dirty="0"/>
+              <a:t> from Raw Speech for Phone Recognition.” 2018 IEEE International Conference on Acoustics, Speech and Signal Processing (ICASSP), 2018, doi:10.1109/icassp.2018.8462015. </a:t>
+            </a:r>
           </a:p>
         </p:txBody>
       </p:sp>
@@ -3296,271 +3334,9 @@
           </a:p>
         </p:txBody>
       </p:sp>
-      <p:grpSp>
-        <p:nvGrpSpPr>
-          <p:cNvPr id="41" name="Group 40"/>
-          <p:cNvGrpSpPr/>
-          <p:nvPr/>
-        </p:nvGrpSpPr>
-        <p:grpSpPr>
-          <a:xfrm>
-            <a:off x="2061309" y="3777456"/>
-            <a:ext cx="12600000" cy="9477029"/>
-            <a:chOff x="2061309" y="3777456"/>
-            <a:chExt cx="12600000" cy="9477029"/>
-          </a:xfrm>
-        </p:grpSpPr>
-        <p:sp>
-          <p:nvSpPr>
-            <p:cNvPr id="10" name="Text Box 189"/>
-            <p:cNvSpPr txBox="1">
-              <a:spLocks noChangeArrowheads="1"/>
-            </p:cNvSpPr>
-            <p:nvPr/>
-          </p:nvSpPr>
-          <p:spPr bwMode="auto">
-            <a:xfrm>
-              <a:off x="2061309" y="5018277"/>
-              <a:ext cx="12600000" cy="8236208"/>
-            </a:xfrm>
-            <a:prstGeom prst="rect">
-              <a:avLst/>
-            </a:prstGeom>
-            <a:solidFill>
-              <a:schemeClr val="bg1"/>
-            </a:solidFill>
-            <a:ln w="12700">
-              <a:solidFill>
-                <a:schemeClr val="accent1">
-                  <a:lumMod val="75000"/>
-                </a:schemeClr>
-              </a:solidFill>
-            </a:ln>
-            <a:effectLst/>
-          </p:spPr>
-          <p:txBody>
-            <a:bodyPr lIns="237797" tIns="237797" rIns="237797" bIns="237797">
-              <a:spAutoFit/>
-            </a:bodyPr>
-            <a:lstStyle>
-              <a:lvl1pPr eaLnBrk="0" hangingPunct="0">
-                <a:defRPr sz="2200">
-                  <a:solidFill>
-                    <a:schemeClr val="tx1"/>
-                  </a:solidFill>
-                  <a:latin typeface="Arial" charset="0"/>
-                </a:defRPr>
-              </a:lvl1pPr>
-              <a:lvl2pPr marL="742950" indent="-285750" eaLnBrk="0" hangingPunct="0">
-                <a:defRPr sz="2200">
-                  <a:solidFill>
-                    <a:schemeClr val="tx1"/>
-                  </a:solidFill>
-                  <a:latin typeface="Arial" charset="0"/>
-                </a:defRPr>
-              </a:lvl2pPr>
-              <a:lvl3pPr marL="1143000" indent="-228600" eaLnBrk="0" hangingPunct="0">
-                <a:defRPr sz="2200">
-                  <a:solidFill>
-                    <a:schemeClr val="tx1"/>
-                  </a:solidFill>
-                  <a:latin typeface="Arial" charset="0"/>
-                </a:defRPr>
-              </a:lvl3pPr>
-              <a:lvl4pPr marL="1600200" indent="-228600" eaLnBrk="0" hangingPunct="0">
-                <a:defRPr sz="2200">
-                  <a:solidFill>
-                    <a:schemeClr val="tx1"/>
-                  </a:solidFill>
-                  <a:latin typeface="Arial" charset="0"/>
-                </a:defRPr>
-              </a:lvl4pPr>
-              <a:lvl5pPr marL="2057400" indent="-228600" eaLnBrk="0" hangingPunct="0">
-                <a:defRPr sz="2200">
-                  <a:solidFill>
-                    <a:schemeClr val="tx1"/>
-                  </a:solidFill>
-                  <a:latin typeface="Arial" charset="0"/>
-                </a:defRPr>
-              </a:lvl5pPr>
-              <a:lvl6pPr marL="2514600" indent="-228600" eaLnBrk="0" fontAlgn="base" hangingPunct="0">
-                <a:spcBef>
-                  <a:spcPct val="0"/>
-                </a:spcBef>
-                <a:spcAft>
-                  <a:spcPct val="0"/>
-                </a:spcAft>
-                <a:defRPr sz="2200">
-                  <a:solidFill>
-                    <a:schemeClr val="tx1"/>
-                  </a:solidFill>
-                  <a:latin typeface="Arial" charset="0"/>
-                </a:defRPr>
-              </a:lvl6pPr>
-              <a:lvl7pPr marL="2971800" indent="-228600" eaLnBrk="0" fontAlgn="base" hangingPunct="0">
-                <a:spcBef>
-                  <a:spcPct val="0"/>
-                </a:spcBef>
-                <a:spcAft>
-                  <a:spcPct val="0"/>
-                </a:spcAft>
-                <a:defRPr sz="2200">
-                  <a:solidFill>
-                    <a:schemeClr val="tx1"/>
-                  </a:solidFill>
-                  <a:latin typeface="Arial" charset="0"/>
-                </a:defRPr>
-              </a:lvl7pPr>
-              <a:lvl8pPr marL="3429000" indent="-228600" eaLnBrk="0" fontAlgn="base" hangingPunct="0">
-                <a:spcBef>
-                  <a:spcPct val="0"/>
-                </a:spcBef>
-                <a:spcAft>
-                  <a:spcPct val="0"/>
-                </a:spcAft>
-                <a:defRPr sz="2200">
-                  <a:solidFill>
-                    <a:schemeClr val="tx1"/>
-                  </a:solidFill>
-                  <a:latin typeface="Arial" charset="0"/>
-                </a:defRPr>
-              </a:lvl8pPr>
-              <a:lvl9pPr marL="3886200" indent="-228600" eaLnBrk="0" fontAlgn="base" hangingPunct="0">
-                <a:spcBef>
-                  <a:spcPct val="0"/>
-                </a:spcBef>
-                <a:spcAft>
-                  <a:spcPct val="0"/>
-                </a:spcAft>
-                <a:defRPr sz="2200">
-                  <a:solidFill>
-                    <a:schemeClr val="tx1"/>
-                  </a:solidFill>
-                  <a:latin typeface="Arial" charset="0"/>
-                </a:defRPr>
-              </a:lvl9pPr>
-            </a:lstStyle>
-            <a:p>
-              <a:pPr eaLnBrk="1" hangingPunct="1"/>
-              <a:r>
-                <a:rPr lang="en-GB" sz="3600" dirty="0">
-                  <a:latin typeface="Calibri" pitchFamily="34" charset="0"/>
-                </a:rPr>
-                <a:t>End-to-end discriminative neural network speech models </a:t>
-              </a:r>
-              <a:r>
-                <a:rPr lang="en-GB" sz="3600" dirty="0" smtClean="0">
-                  <a:latin typeface="Calibri" pitchFamily="34" charset="0"/>
-                </a:rPr>
-                <a:t>have </a:t>
-              </a:r>
-              <a:r>
-                <a:rPr lang="en-GB" sz="3600" dirty="0">
-                  <a:latin typeface="Calibri" pitchFamily="34" charset="0"/>
-                </a:rPr>
-                <a:t>now become a well established method in Automatic Speech Recognition. </a:t>
-              </a:r>
-            </a:p>
-            <a:p>
-              <a:pPr eaLnBrk="1" hangingPunct="1"/>
-              <a:endParaRPr lang="en-GB" sz="3600" dirty="0">
-                <a:latin typeface="Calibri" pitchFamily="34" charset="0"/>
-              </a:endParaRPr>
-            </a:p>
-            <a:p>
-              <a:pPr eaLnBrk="1" hangingPunct="1"/>
-              <a:r>
-                <a:rPr lang="en-GB" sz="3600" dirty="0">
-                  <a:latin typeface="Calibri" pitchFamily="34" charset="0"/>
-                </a:rPr>
-                <a:t>Our Bi-directional Recurrent neural network (Bi-RNN) end-to-end system, is augmented by features derived from a deep scattering network as opposed to the standard Mel </a:t>
-              </a:r>
-              <a:r>
-                <a:rPr lang="en-GB" sz="3600" dirty="0">
-                  <a:latin typeface="Calibri" pitchFamily="34" charset="0"/>
-                </a:rPr>
-                <a:t>Frequency Cepstral Coefficients(MFCC</a:t>
-              </a:r>
-              <a:r>
-                <a:rPr lang="en-GB" sz="3600" dirty="0">
-                  <a:latin typeface="Calibri" pitchFamily="34" charset="0"/>
-                </a:rPr>
-                <a:t>) features used in state of the art acoustic models.  These specialised deep scattering features, consumed by the Bi-RNN, model a light-weight convolution network. This work shows that it is possible to build a speech model from a combination of deep scattering features and a Bi-RNN. There has been no record of deep scattering features being used in end-to-end bi-RNN speech models as far as we are </a:t>
-              </a:r>
-              <a:r>
-                <a:rPr lang="en-GB" sz="3600" dirty="0">
-                  <a:latin typeface="Calibri" pitchFamily="34" charset="0"/>
-                </a:rPr>
-                <a:t>aware.</a:t>
-              </a:r>
-              <a:endParaRPr lang="en-GB" sz="3600" dirty="0">
-                <a:latin typeface="Calibri" pitchFamily="34" charset="0"/>
-              </a:endParaRPr>
-            </a:p>
-          </p:txBody>
-        </p:sp>
-        <p:sp>
-          <p:nvSpPr>
-            <p:cNvPr id="32" name="Rectangle 31"/>
-            <p:cNvSpPr/>
-            <p:nvPr/>
-          </p:nvSpPr>
-          <p:spPr>
-            <a:xfrm>
-              <a:off x="2061309" y="3777456"/>
-              <a:ext cx="12600000" cy="1292662"/>
-            </a:xfrm>
-            <a:prstGeom prst="rect">
-              <a:avLst/>
-            </a:prstGeom>
-            <a:solidFill>
-              <a:schemeClr val="accent1">
-                <a:lumMod val="75000"/>
-              </a:schemeClr>
-            </a:solidFill>
-            <a:ln w="12700"/>
-          </p:spPr>
-          <p:style>
-            <a:lnRef idx="2">
-              <a:schemeClr val="accent1">
-                <a:shade val="50000"/>
-              </a:schemeClr>
-            </a:lnRef>
-            <a:fillRef idx="1">
-              <a:schemeClr val="accent1"/>
-            </a:fillRef>
-            <a:effectRef idx="0">
-              <a:schemeClr val="accent1"/>
-            </a:effectRef>
-            <a:fontRef idx="minor">
-              <a:schemeClr val="lt1"/>
-            </a:fontRef>
-          </p:style>
-          <p:txBody>
-            <a:bodyPr rtlCol="0" anchor="ctr">
-              <a:spAutoFit/>
-            </a:bodyPr>
-            <a:lstStyle/>
-            <a:p>
-              <a:pPr algn="ctr"/>
-              <a:r>
-                <a:rPr lang="en-US" sz="7800" b="1" dirty="0">
-                  <a:solidFill>
-                    <a:schemeClr val="accent3">
-                      <a:lumMod val="20000"/>
-                      <a:lumOff val="80000"/>
-                    </a:schemeClr>
-                  </a:solidFill>
-                </a:rPr>
-                <a:t>Abstract</a:t>
-              </a:r>
-            </a:p>
-          </p:txBody>
-        </p:sp>
-      </p:grpSp>
       <p:sp>
         <p:nvSpPr>
-          <p:cNvPr id="15" name="Text Box 194"/>
+          <p:cNvPr id="10" name="Text Box 189"/>
           <p:cNvSpPr txBox="1">
             <a:spLocks noChangeArrowheads="1"/>
           </p:cNvSpPr>
@@ -3568,8 +3344,8 @@
         </p:nvSpPr>
         <p:spPr bwMode="auto">
           <a:xfrm>
-            <a:off x="28564681" y="4966450"/>
-            <a:ext cx="12600000" cy="3250228"/>
+            <a:off x="1677337" y="5018277"/>
+            <a:ext cx="12960000" cy="7282101"/>
           </a:xfrm>
           <a:prstGeom prst="rect">
             <a:avLst/>
@@ -3691,309 +3467,102 @@
           <a:p>
             <a:pPr eaLnBrk="1" hangingPunct="1"/>
             <a:r>
-              <a:rPr lang="en-US" sz="3600" dirty="0" smtClean="0">
-                <a:latin typeface="Calibri" pitchFamily="34" charset="0"/>
-              </a:rPr>
-              <a:t>The </a:t>
-            </a:r>
-            <a:r>
-              <a:rPr lang="en-US" sz="3600" dirty="0">
-                <a:latin typeface="Calibri" pitchFamily="34" charset="0"/>
-              </a:rPr>
-              <a:t>output of the training produced mostly gibberish when trained in both configurations using only just one hour of training data.  </a:t>
-            </a:r>
-            <a:r>
-              <a:rPr lang="en-US" sz="3600" dirty="0">
-                <a:latin typeface="Calibri" pitchFamily="34" charset="0"/>
-              </a:rPr>
-              <a:t>Training loss reduced significantly once the data was increased to ten hours of training.  </a:t>
-            </a:r>
-            <a:r>
-              <a:rPr lang="en-US" sz="3600" dirty="0">
-                <a:latin typeface="Calibri" pitchFamily="34" charset="0"/>
-              </a:rPr>
-              <a:t>However word error rates (WER) only showed improvement on the 40 hours dataset</a:t>
-            </a:r>
-            <a:r>
-              <a:rPr lang="en-US" sz="3600" dirty="0">
-                <a:latin typeface="Calibri" pitchFamily="34" charset="0"/>
-              </a:rPr>
-              <a:t>.</a:t>
-            </a:r>
-            <a:endParaRPr lang="en-US" sz="3600" dirty="0">
+              <a:rPr lang="en-GB" sz="3400" dirty="0">
+                <a:latin typeface="Calibri" pitchFamily="34" charset="0"/>
+              </a:rPr>
+              <a:t>End-to-end discriminative neural network speech models </a:t>
+            </a:r>
+            <a:r>
+              <a:rPr lang="en-GB" sz="3400" dirty="0" smtClean="0">
+                <a:latin typeface="Calibri" pitchFamily="34" charset="0"/>
+              </a:rPr>
+              <a:t>have </a:t>
+            </a:r>
+            <a:r>
+              <a:rPr lang="en-GB" sz="3400" dirty="0">
+                <a:latin typeface="Calibri" pitchFamily="34" charset="0"/>
+              </a:rPr>
+              <a:t>now become a well established method in Automatic Speech Recognition. </a:t>
+            </a:r>
+          </a:p>
+          <a:p>
+            <a:pPr eaLnBrk="1" hangingPunct="1"/>
+            <a:endParaRPr lang="en-GB" sz="3400" dirty="0">
               <a:latin typeface="Calibri" pitchFamily="34" charset="0"/>
             </a:endParaRPr>
           </a:p>
+          <a:p>
+            <a:pPr eaLnBrk="1" hangingPunct="1"/>
+            <a:r>
+              <a:rPr lang="en-GB" sz="3400" dirty="0">
+                <a:latin typeface="Calibri" pitchFamily="34" charset="0"/>
+              </a:rPr>
+              <a:t>Our Bi-directional Recurrent neural network (Bi-RNN) end-to-end system, is augmented by features derived from a deep scattering network as opposed to the standard Mel Frequency Cepstral Coefficients(MFCC) features used in state of the art acoustic models.  These specialised deep scattering features, consumed by the Bi-RNN, model a light-weight convolution network. This work shows that it is possible to build a speech model from a combination of deep scattering features and a Bi-RNN. There has been no record of deep scattering features being used in end-to-end bi-RNN speech models as far as we are aware.</a:t>
+            </a:r>
+          </a:p>
         </p:txBody>
       </p:sp>
-      <p:grpSp>
-        <p:nvGrpSpPr>
-          <p:cNvPr id="39" name="Group 38"/>
-          <p:cNvGrpSpPr/>
-          <p:nvPr/>
-        </p:nvGrpSpPr>
-        <p:grpSpPr>
-          <a:xfrm>
-            <a:off x="2050053" y="19091616"/>
-            <a:ext cx="12600000" cy="6153045"/>
-            <a:chOff x="2038798" y="19091616"/>
-            <a:chExt cx="12600000" cy="6153045"/>
-          </a:xfrm>
-        </p:grpSpPr>
-        <p:sp>
-          <p:nvSpPr>
-            <p:cNvPr id="13" name="Text Box 192"/>
-            <p:cNvSpPr txBox="1">
-              <a:spLocks noChangeArrowheads="1"/>
-            </p:cNvSpPr>
-            <p:nvPr/>
-          </p:nvSpPr>
-          <p:spPr bwMode="auto">
-            <a:xfrm>
-              <a:off x="2038798" y="20332440"/>
-              <a:ext cx="12600000" cy="4912221"/>
-            </a:xfrm>
-            <a:prstGeom prst="rect">
-              <a:avLst/>
-            </a:prstGeom>
-            <a:solidFill>
-              <a:schemeClr val="bg1"/>
-            </a:solidFill>
-            <a:ln w="12700">
-              <a:solidFill>
-                <a:schemeClr val="accent1">
-                  <a:lumMod val="75000"/>
-                </a:schemeClr>
-              </a:solidFill>
-            </a:ln>
-            <a:effectLst/>
-          </p:spPr>
-          <p:txBody>
-            <a:bodyPr lIns="237797" tIns="237797" rIns="237797" bIns="237797">
-              <a:spAutoFit/>
-            </a:bodyPr>
-            <a:lstStyle>
-              <a:lvl1pPr eaLnBrk="0" hangingPunct="0">
-                <a:defRPr sz="2200">
-                  <a:solidFill>
-                    <a:schemeClr val="tx1"/>
-                  </a:solidFill>
-                  <a:latin typeface="Arial" charset="0"/>
-                </a:defRPr>
-              </a:lvl1pPr>
-              <a:lvl2pPr marL="742950" indent="-285750" eaLnBrk="0" hangingPunct="0">
-                <a:defRPr sz="2200">
-                  <a:solidFill>
-                    <a:schemeClr val="tx1"/>
-                  </a:solidFill>
-                  <a:latin typeface="Arial" charset="0"/>
-                </a:defRPr>
-              </a:lvl2pPr>
-              <a:lvl3pPr marL="1143000" indent="-228600" eaLnBrk="0" hangingPunct="0">
-                <a:defRPr sz="2200">
-                  <a:solidFill>
-                    <a:schemeClr val="tx1"/>
-                  </a:solidFill>
-                  <a:latin typeface="Arial" charset="0"/>
-                </a:defRPr>
-              </a:lvl3pPr>
-              <a:lvl4pPr marL="1600200" indent="-228600" eaLnBrk="0" hangingPunct="0">
-                <a:defRPr sz="2200">
-                  <a:solidFill>
-                    <a:schemeClr val="tx1"/>
-                  </a:solidFill>
-                  <a:latin typeface="Arial" charset="0"/>
-                </a:defRPr>
-              </a:lvl4pPr>
-              <a:lvl5pPr marL="2057400" indent="-228600" eaLnBrk="0" hangingPunct="0">
-                <a:defRPr sz="2200">
-                  <a:solidFill>
-                    <a:schemeClr val="tx1"/>
-                  </a:solidFill>
-                  <a:latin typeface="Arial" charset="0"/>
-                </a:defRPr>
-              </a:lvl5pPr>
-              <a:lvl6pPr marL="2514600" indent="-228600" eaLnBrk="0" fontAlgn="base" hangingPunct="0">
-                <a:spcBef>
-                  <a:spcPct val="0"/>
-                </a:spcBef>
-                <a:spcAft>
-                  <a:spcPct val="0"/>
-                </a:spcAft>
-                <a:defRPr sz="2200">
-                  <a:solidFill>
-                    <a:schemeClr val="tx1"/>
-                  </a:solidFill>
-                  <a:latin typeface="Arial" charset="0"/>
-                </a:defRPr>
-              </a:lvl6pPr>
-              <a:lvl7pPr marL="2971800" indent="-228600" eaLnBrk="0" fontAlgn="base" hangingPunct="0">
-                <a:spcBef>
-                  <a:spcPct val="0"/>
-                </a:spcBef>
-                <a:spcAft>
-                  <a:spcPct val="0"/>
-                </a:spcAft>
-                <a:defRPr sz="2200">
-                  <a:solidFill>
-                    <a:schemeClr val="tx1"/>
-                  </a:solidFill>
-                  <a:latin typeface="Arial" charset="0"/>
-                </a:defRPr>
-              </a:lvl7pPr>
-              <a:lvl8pPr marL="3429000" indent="-228600" eaLnBrk="0" fontAlgn="base" hangingPunct="0">
-                <a:spcBef>
-                  <a:spcPct val="0"/>
-                </a:spcBef>
-                <a:spcAft>
-                  <a:spcPct val="0"/>
-                </a:spcAft>
-                <a:defRPr sz="2200">
-                  <a:solidFill>
-                    <a:schemeClr val="tx1"/>
-                  </a:solidFill>
-                  <a:latin typeface="Arial" charset="0"/>
-                </a:defRPr>
-              </a:lvl8pPr>
-              <a:lvl9pPr marL="3886200" indent="-228600" eaLnBrk="0" fontAlgn="base" hangingPunct="0">
-                <a:spcBef>
-                  <a:spcPct val="0"/>
-                </a:spcBef>
-                <a:spcAft>
-                  <a:spcPct val="0"/>
-                </a:spcAft>
-                <a:defRPr sz="2200">
-                  <a:solidFill>
-                    <a:schemeClr val="tx1"/>
-                  </a:solidFill>
-                  <a:latin typeface="Arial" charset="0"/>
-                </a:defRPr>
-              </a:lvl9pPr>
-            </a:lstStyle>
-            <a:p>
-              <a:pPr eaLnBrk="1" hangingPunct="1"/>
-              <a:r>
-                <a:rPr lang="en-GB" sz="3600" dirty="0">
-                  <a:latin typeface="Calibri" pitchFamily="34" charset="0"/>
-                </a:rPr>
-                <a:t>GPU training of the speech model architecture developed above was done using Mozilla </a:t>
-              </a:r>
-              <a:r>
-                <a:rPr lang="en-GB" sz="3600" dirty="0" err="1">
-                  <a:latin typeface="Calibri" pitchFamily="34" charset="0"/>
-                </a:rPr>
-                <a:t>deepspeech</a:t>
-              </a:r>
-              <a:r>
-                <a:rPr lang="en-GB" sz="3600" dirty="0">
-                  <a:latin typeface="Calibri" pitchFamily="34" charset="0"/>
-                </a:rPr>
-                <a:t> \cite{</a:t>
-              </a:r>
-              <a:r>
-                <a:rPr lang="en-GB" sz="3600" dirty="0" err="1">
-                  <a:latin typeface="Calibri" pitchFamily="34" charset="0"/>
-                </a:rPr>
-                <a:t>mdeepspeech</a:t>
-              </a:r>
-              <a:r>
-                <a:rPr lang="en-GB" sz="3600" dirty="0">
-                  <a:latin typeface="Calibri" pitchFamily="34" charset="0"/>
-                </a:rPr>
-                <a:t>} CTC bi-directional RNN implementation along with the accompanying Mozilla Common voice dataset  \cite{</a:t>
-              </a:r>
-              <a:r>
-                <a:rPr lang="en-GB" sz="3600" dirty="0" err="1">
-                  <a:latin typeface="Calibri" pitchFamily="34" charset="0"/>
-                </a:rPr>
-                <a:t>mcvd</a:t>
-              </a:r>
-              <a:r>
-                <a:rPr lang="en-GB" sz="3600" dirty="0">
-                  <a:latin typeface="Calibri" pitchFamily="34" charset="0"/>
-                </a:rPr>
-                <a:t>}.  The Common Voice Dataset project consists of voice samples in short recordings approximately 4 seconds each.  </a:t>
-              </a:r>
-              <a:r>
-                <a:rPr lang="en-GB" sz="3600" dirty="0">
-                  <a:latin typeface="Calibri" pitchFamily="34" charset="0"/>
-                </a:rPr>
-                <a:t>The complete dataset is about 250 hours of recording divided into training, test and development subsets</a:t>
-              </a:r>
-              <a:r>
-                <a:rPr lang="en-GB" sz="3600" dirty="0" smtClean="0">
-                  <a:latin typeface="Calibri" pitchFamily="34" charset="0"/>
-                </a:rPr>
-                <a:t>.</a:t>
-              </a:r>
-              <a:endParaRPr lang="en-GB" sz="3600" dirty="0">
-                <a:latin typeface="Calibri" pitchFamily="34" charset="0"/>
-              </a:endParaRPr>
-            </a:p>
-          </p:txBody>
-        </p:sp>
-        <p:sp>
-          <p:nvSpPr>
-            <p:cNvPr id="34" name="Rectangle 33"/>
-            <p:cNvSpPr/>
-            <p:nvPr/>
-          </p:nvSpPr>
-          <p:spPr>
-            <a:xfrm>
-              <a:off x="2038798" y="19091616"/>
-              <a:ext cx="12600000" cy="1292662"/>
-            </a:xfrm>
-            <a:prstGeom prst="rect">
-              <a:avLst/>
-            </a:prstGeom>
-            <a:solidFill>
-              <a:schemeClr val="accent1">
-                <a:lumMod val="75000"/>
-              </a:schemeClr>
-            </a:solidFill>
-            <a:ln w="12700"/>
-          </p:spPr>
-          <p:style>
-            <a:lnRef idx="2">
-              <a:schemeClr val="accent1">
-                <a:shade val="50000"/>
-              </a:schemeClr>
-            </a:lnRef>
-            <a:fillRef idx="1">
-              <a:schemeClr val="accent1"/>
-            </a:fillRef>
-            <a:effectRef idx="0">
-              <a:schemeClr val="accent1"/>
-            </a:effectRef>
-            <a:fontRef idx="minor">
-              <a:schemeClr val="lt1"/>
-            </a:fontRef>
-          </p:style>
-          <p:txBody>
-            <a:bodyPr rtlCol="0" anchor="ctr">
-              <a:spAutoFit/>
-            </a:bodyPr>
-            <a:lstStyle/>
-            <a:p>
-              <a:pPr algn="ctr"/>
-              <a:r>
-                <a:rPr lang="en-US" sz="7800" b="1" dirty="0">
-                  <a:solidFill>
-                    <a:schemeClr val="accent3">
-                      <a:lumMod val="20000"/>
-                      <a:lumOff val="80000"/>
-                    </a:schemeClr>
-                  </a:solidFill>
-                </a:rPr>
-                <a:t>Data Set and CTCC Model</a:t>
-              </a:r>
-            </a:p>
-          </p:txBody>
-        </p:sp>
-      </p:grpSp>
       <p:sp>
         <p:nvSpPr>
-          <p:cNvPr id="12" name="Text Box 191"/>
+          <p:cNvPr id="32" name="Rectangle 31"/>
+          <p:cNvSpPr/>
+          <p:nvPr/>
+        </p:nvSpPr>
+        <p:spPr>
+          <a:xfrm>
+            <a:off x="1677337" y="3777456"/>
+            <a:ext cx="12960000" cy="1292662"/>
+          </a:xfrm>
+          <a:prstGeom prst="rect">
+            <a:avLst/>
+          </a:prstGeom>
+          <a:solidFill>
+            <a:schemeClr val="accent1">
+              <a:lumMod val="75000"/>
+            </a:schemeClr>
+          </a:solidFill>
+          <a:ln w="12700"/>
+        </p:spPr>
+        <p:style>
+          <a:lnRef idx="2">
+            <a:schemeClr val="accent1">
+              <a:shade val="50000"/>
+            </a:schemeClr>
+          </a:lnRef>
+          <a:fillRef idx="1">
+            <a:schemeClr val="accent1"/>
+          </a:fillRef>
+          <a:effectRef idx="0">
+            <a:schemeClr val="accent1"/>
+          </a:effectRef>
+          <a:fontRef idx="minor">
+            <a:schemeClr val="lt1"/>
+          </a:fontRef>
+        </p:style>
+        <p:txBody>
+          <a:bodyPr rtlCol="0" anchor="ctr">
+            <a:spAutoFit/>
+          </a:bodyPr>
+          <a:lstStyle/>
+          <a:p>
+            <a:pPr algn="ctr"/>
+            <a:r>
+              <a:rPr lang="en-US" sz="7800" b="1" dirty="0">
+                <a:solidFill>
+                  <a:schemeClr val="accent3">
+                    <a:lumMod val="20000"/>
+                    <a:lumOff val="80000"/>
+                  </a:schemeClr>
+                </a:solidFill>
+              </a:rPr>
+              <a:t>Abstract</a:t>
+            </a:r>
+          </a:p>
+        </p:txBody>
+      </p:sp>
+      <p:sp>
+        <p:nvSpPr>
+          <p:cNvPr id="15" name="Text Box 194"/>
           <p:cNvSpPr txBox="1">
             <a:spLocks noChangeArrowheads="1"/>
           </p:cNvSpPr>
@@ -4001,8 +3570,8 @@
         </p:nvSpPr>
         <p:spPr bwMode="auto">
           <a:xfrm>
-            <a:off x="28578746" y="15752670"/>
-            <a:ext cx="12600000" cy="5466219"/>
+            <a:off x="28180709" y="4966450"/>
+            <a:ext cx="12960000" cy="3096339"/>
           </a:xfrm>
           <a:prstGeom prst="rect">
             <a:avLst/>
@@ -4124,31 +3693,476 @@
           <a:p>
             <a:pPr eaLnBrk="1" hangingPunct="1"/>
             <a:r>
-              <a:rPr lang="en-US" sz="3600" dirty="0">
-                <a:latin typeface="Calibri" pitchFamily="34" charset="0"/>
-              </a:rPr>
-              <a:t>The results showed that the training of the model was heading towards a very slow convergence as indicated by the slow decrements in training loss.  </a:t>
-            </a:r>
-            <a:r>
-              <a:rPr lang="en-US" sz="3600" dirty="0">
-                <a:latin typeface="Calibri" pitchFamily="34" charset="0"/>
-              </a:rPr>
-              <a:t>However, we perceive that given the complete dataset to train the model will not only converge but </a:t>
-            </a:r>
-            <a:r>
-              <a:rPr lang="en-US" sz="3600" dirty="0">
-                <a:latin typeface="Calibri" pitchFamily="34" charset="0"/>
-              </a:rPr>
-              <a:t>also show improvements </a:t>
-            </a:r>
-            <a:r>
-              <a:rPr lang="en-US" sz="3600" dirty="0">
-                <a:latin typeface="Calibri" pitchFamily="34" charset="0"/>
-              </a:rPr>
-              <a:t>in word error rates</a:t>
-            </a:r>
-            <a:r>
-              <a:rPr lang="en-US" sz="3600" dirty="0" smtClean="0">
+              <a:rPr lang="en-US" sz="3400" dirty="0" smtClean="0">
+                <a:latin typeface="Calibri" pitchFamily="34" charset="0"/>
+              </a:rPr>
+              <a:t>Figures 1, 2 and Table 1. </a:t>
+            </a:r>
+            <a:r>
+              <a:rPr lang="en-US" sz="3400" dirty="0">
+                <a:latin typeface="Calibri" pitchFamily="34" charset="0"/>
+              </a:rPr>
+              <a:t>The output of the training produced mostly gibberish when trained in both configurations using only just one hour of training </a:t>
+            </a:r>
+            <a:r>
+              <a:rPr lang="en-US" sz="3400" dirty="0" smtClean="0">
+                <a:latin typeface="Calibri" pitchFamily="34" charset="0"/>
+              </a:rPr>
+              <a:t>data Training </a:t>
+            </a:r>
+            <a:r>
+              <a:rPr lang="en-US" sz="3400" dirty="0">
+                <a:latin typeface="Calibri" pitchFamily="34" charset="0"/>
+              </a:rPr>
+              <a:t>loss reduced significantly once the data was increased to ten hours of training.  However word error rates (WER) only showed improvement on the 40 hours dataset.</a:t>
+            </a:r>
+          </a:p>
+        </p:txBody>
+      </p:sp>
+      <p:sp>
+        <p:nvSpPr>
+          <p:cNvPr id="13" name="Text Box 192"/>
+          <p:cNvSpPr txBox="1">
+            <a:spLocks noChangeArrowheads="1"/>
+          </p:cNvSpPr>
+          <p:nvPr/>
+        </p:nvSpPr>
+        <p:spPr bwMode="auto">
+          <a:xfrm>
+            <a:off x="1666081" y="20332440"/>
+            <a:ext cx="12960000" cy="4142780"/>
+          </a:xfrm>
+          <a:prstGeom prst="rect">
+            <a:avLst/>
+          </a:prstGeom>
+          <a:solidFill>
+            <a:schemeClr val="bg1"/>
+          </a:solidFill>
+          <a:ln w="12700">
+            <a:solidFill>
+              <a:schemeClr val="accent1">
+                <a:lumMod val="75000"/>
+              </a:schemeClr>
+            </a:solidFill>
+          </a:ln>
+          <a:effectLst/>
+        </p:spPr>
+        <p:txBody>
+          <a:bodyPr lIns="237797" tIns="237797" rIns="237797" bIns="237797">
+            <a:spAutoFit/>
+          </a:bodyPr>
+          <a:lstStyle>
+            <a:lvl1pPr eaLnBrk="0" hangingPunct="0">
+              <a:defRPr sz="2200">
+                <a:solidFill>
+                  <a:schemeClr val="tx1"/>
+                </a:solidFill>
+                <a:latin typeface="Arial" charset="0"/>
+              </a:defRPr>
+            </a:lvl1pPr>
+            <a:lvl2pPr marL="742950" indent="-285750" eaLnBrk="0" hangingPunct="0">
+              <a:defRPr sz="2200">
+                <a:solidFill>
+                  <a:schemeClr val="tx1"/>
+                </a:solidFill>
+                <a:latin typeface="Arial" charset="0"/>
+              </a:defRPr>
+            </a:lvl2pPr>
+            <a:lvl3pPr marL="1143000" indent="-228600" eaLnBrk="0" hangingPunct="0">
+              <a:defRPr sz="2200">
+                <a:solidFill>
+                  <a:schemeClr val="tx1"/>
+                </a:solidFill>
+                <a:latin typeface="Arial" charset="0"/>
+              </a:defRPr>
+            </a:lvl3pPr>
+            <a:lvl4pPr marL="1600200" indent="-228600" eaLnBrk="0" hangingPunct="0">
+              <a:defRPr sz="2200">
+                <a:solidFill>
+                  <a:schemeClr val="tx1"/>
+                </a:solidFill>
+                <a:latin typeface="Arial" charset="0"/>
+              </a:defRPr>
+            </a:lvl4pPr>
+            <a:lvl5pPr marL="2057400" indent="-228600" eaLnBrk="0" hangingPunct="0">
+              <a:defRPr sz="2200">
+                <a:solidFill>
+                  <a:schemeClr val="tx1"/>
+                </a:solidFill>
+                <a:latin typeface="Arial" charset="0"/>
+              </a:defRPr>
+            </a:lvl5pPr>
+            <a:lvl6pPr marL="2514600" indent="-228600" eaLnBrk="0" fontAlgn="base" hangingPunct="0">
+              <a:spcBef>
+                <a:spcPct val="0"/>
+              </a:spcBef>
+              <a:spcAft>
+                <a:spcPct val="0"/>
+              </a:spcAft>
+              <a:defRPr sz="2200">
+                <a:solidFill>
+                  <a:schemeClr val="tx1"/>
+                </a:solidFill>
+                <a:latin typeface="Arial" charset="0"/>
+              </a:defRPr>
+            </a:lvl6pPr>
+            <a:lvl7pPr marL="2971800" indent="-228600" eaLnBrk="0" fontAlgn="base" hangingPunct="0">
+              <a:spcBef>
+                <a:spcPct val="0"/>
+              </a:spcBef>
+              <a:spcAft>
+                <a:spcPct val="0"/>
+              </a:spcAft>
+              <a:defRPr sz="2200">
+                <a:solidFill>
+                  <a:schemeClr val="tx1"/>
+                </a:solidFill>
+                <a:latin typeface="Arial" charset="0"/>
+              </a:defRPr>
+            </a:lvl7pPr>
+            <a:lvl8pPr marL="3429000" indent="-228600" eaLnBrk="0" fontAlgn="base" hangingPunct="0">
+              <a:spcBef>
+                <a:spcPct val="0"/>
+              </a:spcBef>
+              <a:spcAft>
+                <a:spcPct val="0"/>
+              </a:spcAft>
+              <a:defRPr sz="2200">
+                <a:solidFill>
+                  <a:schemeClr val="tx1"/>
+                </a:solidFill>
+                <a:latin typeface="Arial" charset="0"/>
+              </a:defRPr>
+            </a:lvl8pPr>
+            <a:lvl9pPr marL="3886200" indent="-228600" eaLnBrk="0" fontAlgn="base" hangingPunct="0">
+              <a:spcBef>
+                <a:spcPct val="0"/>
+              </a:spcBef>
+              <a:spcAft>
+                <a:spcPct val="0"/>
+              </a:spcAft>
+              <a:defRPr sz="2200">
+                <a:solidFill>
+                  <a:schemeClr val="tx1"/>
+                </a:solidFill>
+                <a:latin typeface="Arial" charset="0"/>
+              </a:defRPr>
+            </a:lvl9pPr>
+          </a:lstStyle>
+          <a:p>
+            <a:pPr eaLnBrk="1" hangingPunct="1"/>
+            <a:r>
+              <a:rPr lang="en-GB" sz="3400" dirty="0">
+                <a:latin typeface="Calibri" pitchFamily="34" charset="0"/>
+              </a:rPr>
+              <a:t>GPU training of the speech model architecture </a:t>
+            </a:r>
+            <a:r>
+              <a:rPr lang="en-GB" sz="3400" dirty="0" smtClean="0">
+                <a:latin typeface="Calibri" pitchFamily="34" charset="0"/>
+              </a:rPr>
+              <a:t>for this research  (figure 3) </a:t>
+            </a:r>
+            <a:r>
+              <a:rPr lang="en-GB" sz="3400" dirty="0">
+                <a:latin typeface="Calibri" pitchFamily="34" charset="0"/>
+              </a:rPr>
+              <a:t>was </a:t>
+            </a:r>
+            <a:r>
+              <a:rPr lang="en-GB" sz="3400" dirty="0" smtClean="0">
+                <a:latin typeface="Calibri" pitchFamily="34" charset="0"/>
+              </a:rPr>
+              <a:t>developed from Mozilla </a:t>
+            </a:r>
+            <a:r>
+              <a:rPr lang="en-GB" sz="3400" dirty="0" err="1" smtClean="0">
+                <a:latin typeface="Calibri" pitchFamily="34" charset="0"/>
+              </a:rPr>
+              <a:t>deepspeech</a:t>
+            </a:r>
+            <a:r>
+              <a:rPr lang="en-GB" sz="3400" dirty="0" smtClean="0">
+                <a:latin typeface="Calibri" pitchFamily="34" charset="0"/>
+              </a:rPr>
+              <a:t> [5] </a:t>
+            </a:r>
+            <a:r>
+              <a:rPr lang="en-GB" sz="3400" dirty="0">
+                <a:latin typeface="Calibri" pitchFamily="34" charset="0"/>
+              </a:rPr>
+              <a:t>CTC bi-directional </a:t>
+            </a:r>
+            <a:r>
+              <a:rPr lang="en-GB" sz="3400" dirty="0" smtClean="0">
+                <a:latin typeface="Calibri" pitchFamily="34" charset="0"/>
+              </a:rPr>
+              <a:t>RNN[4] </a:t>
+            </a:r>
+            <a:r>
+              <a:rPr lang="en-GB" sz="3400" dirty="0">
+                <a:latin typeface="Calibri" pitchFamily="34" charset="0"/>
+              </a:rPr>
+              <a:t>implementation along with the accompanying Mozilla Common voice </a:t>
+            </a:r>
+            <a:r>
+              <a:rPr lang="en-GB" sz="3400" dirty="0" smtClean="0">
+                <a:latin typeface="Calibri" pitchFamily="34" charset="0"/>
+              </a:rPr>
+              <a:t>dataset </a:t>
+            </a:r>
+            <a:r>
+              <a:rPr lang="en-GB" sz="3400" dirty="0">
+                <a:latin typeface="Calibri" pitchFamily="34" charset="0"/>
+              </a:rPr>
+              <a:t>[2] </a:t>
+            </a:r>
+            <a:r>
+              <a:rPr lang="en-GB" sz="3400" dirty="0" smtClean="0">
+                <a:latin typeface="Calibri" pitchFamily="34" charset="0"/>
+              </a:rPr>
+              <a:t>. The </a:t>
+            </a:r>
+            <a:r>
+              <a:rPr lang="en-GB" sz="3400" dirty="0">
+                <a:latin typeface="Calibri" pitchFamily="34" charset="0"/>
+              </a:rPr>
+              <a:t>Common Voice </a:t>
+            </a:r>
+            <a:r>
+              <a:rPr lang="en-GB" sz="3400" dirty="0" smtClean="0">
+                <a:latin typeface="Calibri" pitchFamily="34" charset="0"/>
+              </a:rPr>
+              <a:t>Dataset project </a:t>
+            </a:r>
+            <a:r>
+              <a:rPr lang="en-GB" sz="3400" dirty="0">
+                <a:latin typeface="Calibri" pitchFamily="34" charset="0"/>
+              </a:rPr>
+              <a:t>consists of voice samples in short recordings </a:t>
+            </a:r>
+            <a:r>
+              <a:rPr lang="en-GB" sz="3400" dirty="0" smtClean="0">
+                <a:latin typeface="Calibri" pitchFamily="34" charset="0"/>
+              </a:rPr>
+              <a:t>of an average 5 of seconds per recording.  </a:t>
+            </a:r>
+            <a:r>
+              <a:rPr lang="en-GB" sz="3400" dirty="0">
+                <a:latin typeface="Calibri" pitchFamily="34" charset="0"/>
+              </a:rPr>
+              <a:t>The complete dataset is about 250 hours of recording divided into training, test and development subsets</a:t>
+            </a:r>
+            <a:r>
+              <a:rPr lang="en-GB" sz="3400" dirty="0" smtClean="0">
+                <a:latin typeface="Calibri" pitchFamily="34" charset="0"/>
+              </a:rPr>
+              <a:t>.</a:t>
+            </a:r>
+            <a:endParaRPr lang="en-GB" sz="3400" dirty="0">
+              <a:latin typeface="Calibri" pitchFamily="34" charset="0"/>
+            </a:endParaRPr>
+          </a:p>
+        </p:txBody>
+      </p:sp>
+      <p:sp>
+        <p:nvSpPr>
+          <p:cNvPr id="34" name="Rectangle 33"/>
+          <p:cNvSpPr/>
+          <p:nvPr/>
+        </p:nvSpPr>
+        <p:spPr>
+          <a:xfrm>
+            <a:off x="1666081" y="19091616"/>
+            <a:ext cx="12960000" cy="1292662"/>
+          </a:xfrm>
+          <a:prstGeom prst="rect">
+            <a:avLst/>
+          </a:prstGeom>
+          <a:solidFill>
+            <a:schemeClr val="accent1">
+              <a:lumMod val="75000"/>
+            </a:schemeClr>
+          </a:solidFill>
+          <a:ln w="12700"/>
+        </p:spPr>
+        <p:style>
+          <a:lnRef idx="2">
+            <a:schemeClr val="accent1">
+              <a:shade val="50000"/>
+            </a:schemeClr>
+          </a:lnRef>
+          <a:fillRef idx="1">
+            <a:schemeClr val="accent1"/>
+          </a:fillRef>
+          <a:effectRef idx="0">
+            <a:schemeClr val="accent1"/>
+          </a:effectRef>
+          <a:fontRef idx="minor">
+            <a:schemeClr val="lt1"/>
+          </a:fontRef>
+        </p:style>
+        <p:txBody>
+          <a:bodyPr rtlCol="0" anchor="ctr">
+            <a:spAutoFit/>
+          </a:bodyPr>
+          <a:lstStyle/>
+          <a:p>
+            <a:pPr algn="ctr"/>
+            <a:r>
+              <a:rPr lang="en-US" sz="7800" b="1" dirty="0">
+                <a:solidFill>
+                  <a:schemeClr val="accent3">
+                    <a:lumMod val="20000"/>
+                    <a:lumOff val="80000"/>
+                  </a:schemeClr>
+                </a:solidFill>
+              </a:rPr>
+              <a:t>Data Set and CTCC Model</a:t>
+            </a:r>
+          </a:p>
+        </p:txBody>
+      </p:sp>
+      <p:sp>
+        <p:nvSpPr>
+          <p:cNvPr id="12" name="Text Box 191"/>
+          <p:cNvSpPr txBox="1">
+            <a:spLocks noChangeArrowheads="1"/>
+          </p:cNvSpPr>
+          <p:nvPr/>
+        </p:nvSpPr>
+        <p:spPr bwMode="auto">
+          <a:xfrm>
+            <a:off x="28194774" y="15863050"/>
+            <a:ext cx="12960000" cy="5189220"/>
+          </a:xfrm>
+          <a:prstGeom prst="rect">
+            <a:avLst/>
+          </a:prstGeom>
+          <a:solidFill>
+            <a:schemeClr val="bg1"/>
+          </a:solidFill>
+          <a:ln w="12700">
+            <a:solidFill>
+              <a:schemeClr val="accent1">
+                <a:lumMod val="75000"/>
+              </a:schemeClr>
+            </a:solidFill>
+          </a:ln>
+          <a:effectLst/>
+        </p:spPr>
+        <p:txBody>
+          <a:bodyPr lIns="237797" tIns="237797" rIns="237797" bIns="237797">
+            <a:spAutoFit/>
+          </a:bodyPr>
+          <a:lstStyle>
+            <a:lvl1pPr eaLnBrk="0" hangingPunct="0">
+              <a:defRPr sz="2200">
+                <a:solidFill>
+                  <a:schemeClr val="tx1"/>
+                </a:solidFill>
+                <a:latin typeface="Arial" charset="0"/>
+              </a:defRPr>
+            </a:lvl1pPr>
+            <a:lvl2pPr marL="742950" indent="-285750" eaLnBrk="0" hangingPunct="0">
+              <a:defRPr sz="2200">
+                <a:solidFill>
+                  <a:schemeClr val="tx1"/>
+                </a:solidFill>
+                <a:latin typeface="Arial" charset="0"/>
+              </a:defRPr>
+            </a:lvl2pPr>
+            <a:lvl3pPr marL="1143000" indent="-228600" eaLnBrk="0" hangingPunct="0">
+              <a:defRPr sz="2200">
+                <a:solidFill>
+                  <a:schemeClr val="tx1"/>
+                </a:solidFill>
+                <a:latin typeface="Arial" charset="0"/>
+              </a:defRPr>
+            </a:lvl3pPr>
+            <a:lvl4pPr marL="1600200" indent="-228600" eaLnBrk="0" hangingPunct="0">
+              <a:defRPr sz="2200">
+                <a:solidFill>
+                  <a:schemeClr val="tx1"/>
+                </a:solidFill>
+                <a:latin typeface="Arial" charset="0"/>
+              </a:defRPr>
+            </a:lvl4pPr>
+            <a:lvl5pPr marL="2057400" indent="-228600" eaLnBrk="0" hangingPunct="0">
+              <a:defRPr sz="2200">
+                <a:solidFill>
+                  <a:schemeClr val="tx1"/>
+                </a:solidFill>
+                <a:latin typeface="Arial" charset="0"/>
+              </a:defRPr>
+            </a:lvl5pPr>
+            <a:lvl6pPr marL="2514600" indent="-228600" eaLnBrk="0" fontAlgn="base" hangingPunct="0">
+              <a:spcBef>
+                <a:spcPct val="0"/>
+              </a:spcBef>
+              <a:spcAft>
+                <a:spcPct val="0"/>
+              </a:spcAft>
+              <a:defRPr sz="2200">
+                <a:solidFill>
+                  <a:schemeClr val="tx1"/>
+                </a:solidFill>
+                <a:latin typeface="Arial" charset="0"/>
+              </a:defRPr>
+            </a:lvl6pPr>
+            <a:lvl7pPr marL="2971800" indent="-228600" eaLnBrk="0" fontAlgn="base" hangingPunct="0">
+              <a:spcBef>
+                <a:spcPct val="0"/>
+              </a:spcBef>
+              <a:spcAft>
+                <a:spcPct val="0"/>
+              </a:spcAft>
+              <a:defRPr sz="2200">
+                <a:solidFill>
+                  <a:schemeClr val="tx1"/>
+                </a:solidFill>
+                <a:latin typeface="Arial" charset="0"/>
+              </a:defRPr>
+            </a:lvl7pPr>
+            <a:lvl8pPr marL="3429000" indent="-228600" eaLnBrk="0" fontAlgn="base" hangingPunct="0">
+              <a:spcBef>
+                <a:spcPct val="0"/>
+              </a:spcBef>
+              <a:spcAft>
+                <a:spcPct val="0"/>
+              </a:spcAft>
+              <a:defRPr sz="2200">
+                <a:solidFill>
+                  <a:schemeClr val="tx1"/>
+                </a:solidFill>
+                <a:latin typeface="Arial" charset="0"/>
+              </a:defRPr>
+            </a:lvl8pPr>
+            <a:lvl9pPr marL="3886200" indent="-228600" eaLnBrk="0" fontAlgn="base" hangingPunct="0">
+              <a:spcBef>
+                <a:spcPct val="0"/>
+              </a:spcBef>
+              <a:spcAft>
+                <a:spcPct val="0"/>
+              </a:spcAft>
+              <a:defRPr sz="2200">
+                <a:solidFill>
+                  <a:schemeClr val="tx1"/>
+                </a:solidFill>
+                <a:latin typeface="Arial" charset="0"/>
+              </a:defRPr>
+            </a:lvl9pPr>
+          </a:lstStyle>
+          <a:p>
+            <a:pPr eaLnBrk="1" hangingPunct="1"/>
+            <a:r>
+              <a:rPr lang="en-US" sz="3400" dirty="0">
+                <a:latin typeface="Calibri" pitchFamily="34" charset="0"/>
+              </a:rPr>
+              <a:t>The results showed that the training of the model was heading towards a very slow convergence as indicated by the slow decrements in training loss.  However, we perceive that given the complete dataset to train the model will not only converge but also show improvements in word error rates</a:t>
+            </a:r>
+            <a:r>
+              <a:rPr lang="en-US" sz="3400" dirty="0" smtClean="0">
                 <a:latin typeface="Calibri" pitchFamily="34" charset="0"/>
               </a:rPr>
               <a:t>.</a:t>
@@ -4156,18 +4170,45 @@
           </a:p>
           <a:p>
             <a:pPr eaLnBrk="1" hangingPunct="1"/>
-            <a:endParaRPr lang="en-US" sz="3600" dirty="0">
+            <a:endParaRPr lang="en-US" sz="3400" dirty="0">
               <a:latin typeface="Calibri" pitchFamily="34" charset="0"/>
             </a:endParaRPr>
           </a:p>
           <a:p>
             <a:pPr eaLnBrk="1" hangingPunct="1"/>
             <a:r>
-              <a:rPr lang="en-US" sz="3600" dirty="0">
-                <a:latin typeface="Calibri" pitchFamily="34" charset="0"/>
-              </a:rPr>
-              <a:t>The next phase in this research obtain results from MFCC feature-based Bi-RNN speech models to serve as the baseline study.</a:t>
-            </a:r>
+              <a:rPr lang="en-US" sz="3400" dirty="0" smtClean="0">
+                <a:latin typeface="Calibri" pitchFamily="34" charset="0"/>
+              </a:rPr>
+              <a:t>The next phase in this research will obtain results from MFCC feature-based Bi-RNN speech models to serve as the baseline.  Researchers </a:t>
+            </a:r>
+            <a:r>
+              <a:rPr lang="en-US" sz="3400">
+                <a:latin typeface="Calibri" pitchFamily="34" charset="0"/>
+              </a:rPr>
+              <a:t>seek </a:t>
+            </a:r>
+            <a:r>
+              <a:rPr lang="en-US" sz="3400" smtClean="0">
+                <a:latin typeface="Calibri" pitchFamily="34" charset="0"/>
+              </a:rPr>
+              <a:t>partnership(s) </a:t>
+            </a:r>
+            <a:r>
+              <a:rPr lang="en-US" sz="3400" dirty="0">
+                <a:latin typeface="Calibri" pitchFamily="34" charset="0"/>
+              </a:rPr>
+              <a:t>to facilitate this</a:t>
+            </a:r>
+            <a:r>
+              <a:rPr lang="en-US" sz="3400" dirty="0" smtClean="0">
+                <a:latin typeface="Calibri" pitchFamily="34" charset="0"/>
+              </a:rPr>
+              <a:t>.</a:t>
+            </a:r>
+            <a:endParaRPr lang="en-US" sz="3400" dirty="0">
+              <a:latin typeface="Calibri" pitchFamily="34" charset="0"/>
+            </a:endParaRPr>
           </a:p>
         </p:txBody>
       </p:sp>
@@ -4179,8 +4220,8 @@
         </p:nvSpPr>
         <p:spPr>
           <a:xfrm>
-            <a:off x="28578746" y="14563676"/>
-            <a:ext cx="12600000" cy="1188993"/>
+            <a:off x="28194774" y="14674056"/>
+            <a:ext cx="12960000" cy="1188993"/>
           </a:xfrm>
           <a:prstGeom prst="rect">
             <a:avLst/>
@@ -4224,14 +4265,6 @@
               </a:rPr>
               <a:t>Discussion</a:t>
             </a:r>
-            <a:endParaRPr lang="en-US" sz="7800" b="1" dirty="0">
-              <a:solidFill>
-                <a:schemeClr val="accent3">
-                  <a:lumMod val="20000"/>
-                  <a:lumOff val="80000"/>
-                </a:schemeClr>
-              </a:solidFill>
-            </a:endParaRPr>
           </a:p>
         </p:txBody>
       </p:sp>
@@ -4245,8 +4278,8 @@
         </p:nvSpPr>
         <p:spPr bwMode="auto">
           <a:xfrm>
-            <a:off x="28578746" y="22646340"/>
-            <a:ext cx="12600000" cy="2696230"/>
+            <a:off x="28194774" y="22540337"/>
+            <a:ext cx="12960000" cy="2573119"/>
           </a:xfrm>
           <a:prstGeom prst="rect">
             <a:avLst/>
@@ -4368,11 +4401,20 @@
           <a:p>
             <a:pPr eaLnBrk="1" hangingPunct="1"/>
             <a:r>
-              <a:rPr lang="en-US" sz="3600" dirty="0">
-                <a:latin typeface="Calibri" pitchFamily="34" charset="0"/>
-              </a:rPr>
-              <a:t>We show in this work that Deep Scattering features derived from wavelet filter operations on audio data produce viable feature candidates for end-to-end training of Automatic speech recognition models.</a:t>
-            </a:r>
+              <a:rPr lang="en-US" sz="3400" dirty="0">
+                <a:latin typeface="Calibri" pitchFamily="34" charset="0"/>
+              </a:rPr>
+              <a:t>We show in this work that Deep Scattering features derived from wavelet filter operations on audio data produce viable feature candidates for end-to-end training of Automatic speech recognition models</a:t>
+            </a:r>
+            <a:r>
+              <a:rPr lang="en-US" sz="3400" dirty="0" smtClean="0">
+                <a:latin typeface="Calibri" pitchFamily="34" charset="0"/>
+              </a:rPr>
+              <a:t>. </a:t>
+            </a:r>
+            <a:endParaRPr lang="en-US" sz="3400" dirty="0">
+              <a:latin typeface="Calibri" pitchFamily="34" charset="0"/>
+            </a:endParaRPr>
           </a:p>
         </p:txBody>
       </p:sp>
@@ -4384,8 +4426,8 @@
         </p:nvSpPr>
         <p:spPr>
           <a:xfrm>
-            <a:off x="28578746" y="21455856"/>
-            <a:ext cx="12600000" cy="1188993"/>
+            <a:off x="28194774" y="21396823"/>
+            <a:ext cx="12960000" cy="1188993"/>
           </a:xfrm>
           <a:prstGeom prst="rect">
             <a:avLst/>
@@ -4419,7 +4461,7 @@
           <a:p>
             <a:pPr algn="ctr"/>
             <a:r>
-              <a:rPr lang="en-US" sz="7800" b="1" dirty="0">
+              <a:rPr lang="en-US" sz="7800" b="1" dirty="0" smtClean="0">
                 <a:solidFill>
                   <a:schemeClr val="accent3">
                     <a:lumMod val="20000"/>
@@ -4427,8 +4469,16 @@
                   </a:schemeClr>
                 </a:solidFill>
               </a:rPr>
-              <a:t>Conclusions</a:t>
-            </a:r>
+              <a:t>Conclusion</a:t>
+            </a:r>
+            <a:endParaRPr lang="en-US" sz="7800" b="1" dirty="0">
+              <a:solidFill>
+                <a:schemeClr val="accent3">
+                  <a:lumMod val="20000"/>
+                  <a:lumOff val="80000"/>
+                </a:schemeClr>
+              </a:solidFill>
+            </a:endParaRPr>
           </a:p>
         </p:txBody>
       </p:sp>
@@ -4441,14 +4491,14 @@
           <p:nvPr>
             <p:extLst>
               <p:ext uri="{D42A27DB-BD31-4B8C-83A1-F6EECF244321}">
-                <p14:modId xmlns:p14="http://schemas.microsoft.com/office/powerpoint/2010/main" val="2611133696"/>
+                <p14:modId xmlns:p14="http://schemas.microsoft.com/office/powerpoint/2010/main" val="2768790732"/>
               </p:ext>
             </p:extLst>
           </p:nvPr>
         </p:nvGraphicFramePr>
         <p:xfrm>
-          <a:off x="28564679" y="8959056"/>
-          <a:ext cx="12614066" cy="5326318"/>
+          <a:off x="28180707" y="9087025"/>
+          <a:ext cx="12960001" cy="5326318"/>
         </p:xfrm>
         <a:graphic>
           <a:graphicData uri="http://schemas.openxmlformats.org/drawingml/2006/table">
@@ -4457,28 +4507,28 @@
                 <a:tableStyleId>{F5AB1C69-6EDB-4FF4-983F-18BD219EF322}</a:tableStyleId>
               </a:tblPr>
               <a:tblGrid>
-                <a:gridCol w="4228579">
+                <a:gridCol w="4344546">
                   <a:extLst>
                     <a:ext uri="{9D8B030D-6E8A-4147-A177-3AD203B41FA5}">
                       <a16:colId xmlns:a16="http://schemas.microsoft.com/office/drawing/2014/main" val="20000"/>
                     </a:ext>
                   </a:extLst>
                 </a:gridCol>
-                <a:gridCol w="2150125">
+                <a:gridCol w="2364028">
                   <a:extLst>
                     <a:ext uri="{9D8B030D-6E8A-4147-A177-3AD203B41FA5}">
                       <a16:colId xmlns:a16="http://schemas.microsoft.com/office/drawing/2014/main" val="20001"/>
                     </a:ext>
                   </a:extLst>
                 </a:gridCol>
-                <a:gridCol w="3004173">
+                <a:gridCol w="3124200">
                   <a:extLst>
                     <a:ext uri="{9D8B030D-6E8A-4147-A177-3AD203B41FA5}">
                       <a16:colId xmlns:a16="http://schemas.microsoft.com/office/drawing/2014/main" val="20002"/>
                     </a:ext>
                   </a:extLst>
                 </a:gridCol>
-                <a:gridCol w="3231189">
+                <a:gridCol w="3127227">
                   <a:extLst>
                     <a:ext uri="{9D8B030D-6E8A-4147-A177-3AD203B41FA5}">
                       <a16:colId xmlns:a16="http://schemas.microsoft.com/office/drawing/2014/main" val="20003"/>
@@ -4645,7 +4695,7 @@
                       <a:pPr algn="ctr"/>
                       <a:r>
                         <a:rPr lang="en-US" sz="3600" dirty="0" smtClean="0"/>
-                        <a:t>NA</a:t>
+                        <a:t>Complete</a:t>
                       </a:r>
                       <a:endParaRPr lang="en-US" sz="3600" dirty="0"/>
                     </a:p>
@@ -4735,11 +4785,7 @@
                     <a:p>
                       <a:r>
                         <a:rPr lang="en-US" sz="3600" dirty="0" smtClean="0"/>
-                        <a:t>3. 5xGPU 15GB </a:t>
-                      </a:r>
-                      <a:r>
-                        <a:rPr lang="en-US" sz="3600" dirty="0" smtClean="0"/>
-                        <a:t>RA</a:t>
+                        <a:t>3. 5xGPU 15GB RA</a:t>
                       </a:r>
                       <a:endParaRPr lang="en-US" sz="3600" dirty="0"/>
                     </a:p>
@@ -4784,7 +4830,7 @@
                       <a:pPr algn="ctr"/>
                       <a:r>
                         <a:rPr lang="en-US" sz="3600" dirty="0" smtClean="0"/>
-                        <a:t>NA</a:t>
+                        <a:t>Complete</a:t>
                       </a:r>
                       <a:endParaRPr lang="en-US" sz="3600" dirty="0"/>
                     </a:p>
@@ -4875,235 +4921,268 @@
           </a:graphicData>
         </a:graphic>
       </p:graphicFrame>
-      <p:grpSp>
-        <p:nvGrpSpPr>
-          <p:cNvPr id="40" name="Group 39"/>
-          <p:cNvGrpSpPr/>
+      <p:sp>
+        <p:nvSpPr>
+          <p:cNvPr id="33" name="Rectangle 32"/>
+          <p:cNvSpPr/>
           <p:nvPr/>
-        </p:nvGrpSpPr>
-        <p:grpSpPr>
+        </p:nvSpPr>
+        <p:spPr>
           <a:xfrm>
-            <a:off x="2050053" y="13388485"/>
-            <a:ext cx="12600000" cy="5599048"/>
-            <a:chOff x="2061309" y="13388485"/>
-            <a:chExt cx="12600000" cy="5599048"/>
+            <a:off x="1666081" y="13388485"/>
+            <a:ext cx="12960000" cy="1292662"/>
           </a:xfrm>
-        </p:grpSpPr>
-        <p:sp>
-          <p:nvSpPr>
-            <p:cNvPr id="33" name="Rectangle 32"/>
-            <p:cNvSpPr/>
-            <p:nvPr/>
-          </p:nvSpPr>
-          <p:spPr>
-            <a:xfrm>
-              <a:off x="2061309" y="13388485"/>
-              <a:ext cx="12600000" cy="1292662"/>
-            </a:xfrm>
-            <a:prstGeom prst="rect">
-              <a:avLst/>
-            </a:prstGeom>
+          <a:prstGeom prst="rect">
+            <a:avLst/>
+          </a:prstGeom>
+          <a:solidFill>
+            <a:schemeClr val="accent1">
+              <a:lumMod val="75000"/>
+            </a:schemeClr>
+          </a:solidFill>
+          <a:ln w="12700"/>
+        </p:spPr>
+        <p:style>
+          <a:lnRef idx="2">
+            <a:schemeClr val="accent1">
+              <a:shade val="50000"/>
+            </a:schemeClr>
+          </a:lnRef>
+          <a:fillRef idx="1">
+            <a:schemeClr val="accent1"/>
+          </a:fillRef>
+          <a:effectRef idx="0">
+            <a:schemeClr val="accent1"/>
+          </a:effectRef>
+          <a:fontRef idx="minor">
+            <a:schemeClr val="lt1"/>
+          </a:fontRef>
+        </p:style>
+        <p:txBody>
+          <a:bodyPr rtlCol="0" anchor="ctr">
+            <a:spAutoFit/>
+          </a:bodyPr>
+          <a:lstStyle/>
+          <a:p>
+            <a:pPr algn="ctr"/>
+            <a:r>
+              <a:rPr lang="en-US" sz="7800" b="1" dirty="0">
+                <a:solidFill>
+                  <a:schemeClr val="accent3">
+                    <a:lumMod val="20000"/>
+                    <a:lumOff val="80000"/>
+                  </a:schemeClr>
+                </a:solidFill>
+              </a:rPr>
+              <a:t>Introduction</a:t>
+            </a:r>
+          </a:p>
+        </p:txBody>
+      </p:sp>
+      <p:sp>
+        <p:nvSpPr>
+          <p:cNvPr id="11" name="Text Box 190"/>
+          <p:cNvSpPr txBox="1">
+            <a:spLocks noChangeArrowheads="1"/>
+          </p:cNvSpPr>
+          <p:nvPr/>
+        </p:nvSpPr>
+        <p:spPr bwMode="auto">
+          <a:xfrm>
+            <a:off x="1666081" y="14629310"/>
+            <a:ext cx="12960000" cy="3619559"/>
+          </a:xfrm>
+          <a:prstGeom prst="rect">
+            <a:avLst/>
+          </a:prstGeom>
+          <a:solidFill>
+            <a:schemeClr val="bg1"/>
+          </a:solidFill>
+          <a:ln w="12700">
             <a:solidFill>
               <a:schemeClr val="accent1">
                 <a:lumMod val="75000"/>
               </a:schemeClr>
             </a:solidFill>
-            <a:ln w="12700"/>
-          </p:spPr>
-          <p:style>
-            <a:lnRef idx="2">
-              <a:schemeClr val="accent1">
-                <a:shade val="50000"/>
-              </a:schemeClr>
-            </a:lnRef>
-            <a:fillRef idx="1">
-              <a:schemeClr val="accent1"/>
-            </a:fillRef>
-            <a:effectRef idx="0">
-              <a:schemeClr val="accent1"/>
-            </a:effectRef>
-            <a:fontRef idx="minor">
-              <a:schemeClr val="lt1"/>
-            </a:fontRef>
-          </p:style>
-          <p:txBody>
-            <a:bodyPr rtlCol="0" anchor="ctr">
-              <a:spAutoFit/>
-            </a:bodyPr>
-            <a:lstStyle/>
-            <a:p>
-              <a:pPr algn="ctr"/>
-              <a:r>
-                <a:rPr lang="en-US" sz="7800" b="1" dirty="0">
-                  <a:solidFill>
-                    <a:schemeClr val="accent3">
-                      <a:lumMod val="20000"/>
-                      <a:lumOff val="80000"/>
-                    </a:schemeClr>
-                  </a:solidFill>
-                </a:rPr>
-                <a:t>Introduction</a:t>
-              </a:r>
-            </a:p>
-          </p:txBody>
-        </p:sp>
-        <p:sp>
-          <p:nvSpPr>
-            <p:cNvPr id="11" name="Text Box 190"/>
-            <p:cNvSpPr txBox="1">
-              <a:spLocks noChangeArrowheads="1"/>
-            </p:cNvSpPr>
-            <p:nvPr/>
-          </p:nvSpPr>
-          <p:spPr bwMode="auto">
-            <a:xfrm>
-              <a:off x="2061309" y="14629310"/>
-              <a:ext cx="12600000" cy="4358223"/>
-            </a:xfrm>
-            <a:prstGeom prst="rect">
-              <a:avLst/>
-            </a:prstGeom>
-            <a:solidFill>
-              <a:schemeClr val="bg1"/>
-            </a:solidFill>
-            <a:ln w="12700">
-              <a:solidFill>
-                <a:schemeClr val="accent1">
-                  <a:lumMod val="75000"/>
-                </a:schemeClr>
-              </a:solidFill>
-            </a:ln>
-            <a:effectLst/>
-          </p:spPr>
-          <p:txBody>
-            <a:bodyPr lIns="237797" tIns="237797" rIns="237797" bIns="237797">
-              <a:spAutoFit/>
-            </a:bodyPr>
-            <a:lstStyle>
-              <a:lvl1pPr eaLnBrk="0" hangingPunct="0">
-                <a:defRPr sz="2200">
-                  <a:solidFill>
-                    <a:schemeClr val="tx1"/>
-                  </a:solidFill>
-                  <a:latin typeface="Arial" charset="0"/>
-                </a:defRPr>
-              </a:lvl1pPr>
-              <a:lvl2pPr marL="742950" indent="-285750" eaLnBrk="0" hangingPunct="0">
-                <a:defRPr sz="2200">
-                  <a:solidFill>
-                    <a:schemeClr val="tx1"/>
-                  </a:solidFill>
-                  <a:latin typeface="Arial" charset="0"/>
-                </a:defRPr>
-              </a:lvl2pPr>
-              <a:lvl3pPr marL="1143000" indent="-228600" eaLnBrk="0" hangingPunct="0">
-                <a:defRPr sz="2200">
-                  <a:solidFill>
-                    <a:schemeClr val="tx1"/>
-                  </a:solidFill>
-                  <a:latin typeface="Arial" charset="0"/>
-                </a:defRPr>
-              </a:lvl3pPr>
-              <a:lvl4pPr marL="1600200" indent="-228600" eaLnBrk="0" hangingPunct="0">
-                <a:defRPr sz="2200">
-                  <a:solidFill>
-                    <a:schemeClr val="tx1"/>
-                  </a:solidFill>
-                  <a:latin typeface="Arial" charset="0"/>
-                </a:defRPr>
-              </a:lvl4pPr>
-              <a:lvl5pPr marL="2057400" indent="-228600" eaLnBrk="0" hangingPunct="0">
-                <a:defRPr sz="2200">
-                  <a:solidFill>
-                    <a:schemeClr val="tx1"/>
-                  </a:solidFill>
-                  <a:latin typeface="Arial" charset="0"/>
-                </a:defRPr>
-              </a:lvl5pPr>
-              <a:lvl6pPr marL="2514600" indent="-228600" eaLnBrk="0" fontAlgn="base" hangingPunct="0">
-                <a:spcBef>
-                  <a:spcPct val="0"/>
-                </a:spcBef>
-                <a:spcAft>
-                  <a:spcPct val="0"/>
-                </a:spcAft>
-                <a:defRPr sz="2200">
-                  <a:solidFill>
-                    <a:schemeClr val="tx1"/>
-                  </a:solidFill>
-                  <a:latin typeface="Arial" charset="0"/>
-                </a:defRPr>
-              </a:lvl6pPr>
-              <a:lvl7pPr marL="2971800" indent="-228600" eaLnBrk="0" fontAlgn="base" hangingPunct="0">
-                <a:spcBef>
-                  <a:spcPct val="0"/>
-                </a:spcBef>
-                <a:spcAft>
-                  <a:spcPct val="0"/>
-                </a:spcAft>
-                <a:defRPr sz="2200">
-                  <a:solidFill>
-                    <a:schemeClr val="tx1"/>
-                  </a:solidFill>
-                  <a:latin typeface="Arial" charset="0"/>
-                </a:defRPr>
-              </a:lvl7pPr>
-              <a:lvl8pPr marL="3429000" indent="-228600" eaLnBrk="0" fontAlgn="base" hangingPunct="0">
-                <a:spcBef>
-                  <a:spcPct val="0"/>
-                </a:spcBef>
-                <a:spcAft>
-                  <a:spcPct val="0"/>
-                </a:spcAft>
-                <a:defRPr sz="2200">
-                  <a:solidFill>
-                    <a:schemeClr val="tx1"/>
-                  </a:solidFill>
-                  <a:latin typeface="Arial" charset="0"/>
-                </a:defRPr>
-              </a:lvl8pPr>
-              <a:lvl9pPr marL="3886200" indent="-228600" eaLnBrk="0" fontAlgn="base" hangingPunct="0">
-                <a:spcBef>
-                  <a:spcPct val="0"/>
-                </a:spcBef>
-                <a:spcAft>
-                  <a:spcPct val="0"/>
-                </a:spcAft>
-                <a:defRPr sz="2200">
-                  <a:solidFill>
-                    <a:schemeClr val="tx1"/>
-                  </a:solidFill>
-                  <a:latin typeface="Arial" charset="0"/>
-                </a:defRPr>
-              </a:lvl9pPr>
-            </a:lstStyle>
-            <a:p>
-              <a:pPr eaLnBrk="1" hangingPunct="1"/>
-              <a:r>
-                <a:rPr lang="en-GB" sz="3600" dirty="0" smtClean="0">
-                  <a:latin typeface="+mn-lt"/>
-                </a:rPr>
-                <a:t>The </a:t>
-              </a:r>
-              <a:r>
-                <a:rPr lang="en-GB" sz="3600" dirty="0">
-                  <a:latin typeface="+mn-lt"/>
-                </a:rPr>
-                <a:t>CTCC models currently have been developed using standard MFCC features.  </a:t>
-              </a:r>
-              <a:r>
-                <a:rPr lang="en-GB" sz="3600" dirty="0">
-                  <a:latin typeface="+mn-lt"/>
-                </a:rPr>
-                <a:t>The model developed in this work employs a deep scattering features which compared to MFCC posses greater number of features being of a higher dimension (152 compared to 39).  These deep scattering vectors have been shown to perform well on music genre classification and TIMIT phone recognition.</a:t>
-              </a:r>
-              <a:endParaRPr lang="en-US" sz="3600" dirty="0">
+          </a:ln>
+          <a:effectLst/>
+        </p:spPr>
+        <p:txBody>
+          <a:bodyPr lIns="237797" tIns="237797" rIns="237797" bIns="237797">
+            <a:spAutoFit/>
+          </a:bodyPr>
+          <a:lstStyle>
+            <a:lvl1pPr eaLnBrk="0" hangingPunct="0">
+              <a:defRPr sz="2200">
+                <a:solidFill>
+                  <a:schemeClr val="tx1"/>
+                </a:solidFill>
+                <a:latin typeface="Arial" charset="0"/>
+              </a:defRPr>
+            </a:lvl1pPr>
+            <a:lvl2pPr marL="742950" indent="-285750" eaLnBrk="0" hangingPunct="0">
+              <a:defRPr sz="2200">
+                <a:solidFill>
+                  <a:schemeClr val="tx1"/>
+                </a:solidFill>
+                <a:latin typeface="Arial" charset="0"/>
+              </a:defRPr>
+            </a:lvl2pPr>
+            <a:lvl3pPr marL="1143000" indent="-228600" eaLnBrk="0" hangingPunct="0">
+              <a:defRPr sz="2200">
+                <a:solidFill>
+                  <a:schemeClr val="tx1"/>
+                </a:solidFill>
+                <a:latin typeface="Arial" charset="0"/>
+              </a:defRPr>
+            </a:lvl3pPr>
+            <a:lvl4pPr marL="1600200" indent="-228600" eaLnBrk="0" hangingPunct="0">
+              <a:defRPr sz="2200">
+                <a:solidFill>
+                  <a:schemeClr val="tx1"/>
+                </a:solidFill>
+                <a:latin typeface="Arial" charset="0"/>
+              </a:defRPr>
+            </a:lvl4pPr>
+            <a:lvl5pPr marL="2057400" indent="-228600" eaLnBrk="0" hangingPunct="0">
+              <a:defRPr sz="2200">
+                <a:solidFill>
+                  <a:schemeClr val="tx1"/>
+                </a:solidFill>
+                <a:latin typeface="Arial" charset="0"/>
+              </a:defRPr>
+            </a:lvl5pPr>
+            <a:lvl6pPr marL="2514600" indent="-228600" eaLnBrk="0" fontAlgn="base" hangingPunct="0">
+              <a:spcBef>
+                <a:spcPct val="0"/>
+              </a:spcBef>
+              <a:spcAft>
+                <a:spcPct val="0"/>
+              </a:spcAft>
+              <a:defRPr sz="2200">
+                <a:solidFill>
+                  <a:schemeClr val="tx1"/>
+                </a:solidFill>
+                <a:latin typeface="Arial" charset="0"/>
+              </a:defRPr>
+            </a:lvl6pPr>
+            <a:lvl7pPr marL="2971800" indent="-228600" eaLnBrk="0" fontAlgn="base" hangingPunct="0">
+              <a:spcBef>
+                <a:spcPct val="0"/>
+              </a:spcBef>
+              <a:spcAft>
+                <a:spcPct val="0"/>
+              </a:spcAft>
+              <a:defRPr sz="2200">
+                <a:solidFill>
+                  <a:schemeClr val="tx1"/>
+                </a:solidFill>
+                <a:latin typeface="Arial" charset="0"/>
+              </a:defRPr>
+            </a:lvl7pPr>
+            <a:lvl8pPr marL="3429000" indent="-228600" eaLnBrk="0" fontAlgn="base" hangingPunct="0">
+              <a:spcBef>
+                <a:spcPct val="0"/>
+              </a:spcBef>
+              <a:spcAft>
+                <a:spcPct val="0"/>
+              </a:spcAft>
+              <a:defRPr sz="2200">
+                <a:solidFill>
+                  <a:schemeClr val="tx1"/>
+                </a:solidFill>
+                <a:latin typeface="Arial" charset="0"/>
+              </a:defRPr>
+            </a:lvl8pPr>
+            <a:lvl9pPr marL="3886200" indent="-228600" eaLnBrk="0" fontAlgn="base" hangingPunct="0">
+              <a:spcBef>
+                <a:spcPct val="0"/>
+              </a:spcBef>
+              <a:spcAft>
+                <a:spcPct val="0"/>
+              </a:spcAft>
+              <a:defRPr sz="2200">
+                <a:solidFill>
+                  <a:schemeClr val="tx1"/>
+                </a:solidFill>
+                <a:latin typeface="Arial" charset="0"/>
+              </a:defRPr>
+            </a:lvl9pPr>
+          </a:lstStyle>
+          <a:p>
+            <a:pPr eaLnBrk="1" hangingPunct="1"/>
+            <a:r>
+              <a:rPr lang="en-GB" sz="3400" dirty="0" smtClean="0">
                 <a:latin typeface="+mn-lt"/>
-              </a:endParaRPr>
-            </a:p>
-          </p:txBody>
-        </p:sp>
-      </p:grpSp>
+              </a:rPr>
+              <a:t>CTCC [3] models </a:t>
+            </a:r>
+            <a:r>
+              <a:rPr lang="en-GB" sz="3400" dirty="0">
+                <a:latin typeface="+mn-lt"/>
+              </a:rPr>
+              <a:t>currently have been developed using standard MFCC features.  The model developed in this work employs </a:t>
+            </a:r>
+            <a:r>
+              <a:rPr lang="en-GB" sz="3400" dirty="0" smtClean="0">
+                <a:latin typeface="+mn-lt"/>
+              </a:rPr>
+              <a:t>deep </a:t>
+            </a:r>
+            <a:r>
+              <a:rPr lang="en-GB" sz="3400" dirty="0">
+                <a:latin typeface="+mn-lt"/>
+              </a:rPr>
+              <a:t>scattering features which compared to MFCC posses </a:t>
+            </a:r>
+            <a:r>
+              <a:rPr lang="en-GB" sz="3400" dirty="0" smtClean="0">
+                <a:latin typeface="+mn-lt"/>
+              </a:rPr>
+              <a:t>a greater </a:t>
+            </a:r>
+            <a:r>
+              <a:rPr lang="en-GB" sz="3400" dirty="0">
+                <a:latin typeface="+mn-lt"/>
+              </a:rPr>
+              <a:t>number of features </a:t>
+            </a:r>
+            <a:r>
+              <a:rPr lang="en-GB" sz="3400" dirty="0" smtClean="0">
+                <a:latin typeface="+mn-lt"/>
+              </a:rPr>
+              <a:t>of </a:t>
+            </a:r>
+            <a:r>
+              <a:rPr lang="en-GB" sz="3400" dirty="0">
+                <a:latin typeface="+mn-lt"/>
+              </a:rPr>
+              <a:t>a higher dimension (152 compared to 39).  These deep scattering vectors have been shown to perform well on music genre </a:t>
+            </a:r>
+            <a:r>
+              <a:rPr lang="en-GB" sz="3400" dirty="0" smtClean="0">
+                <a:latin typeface="+mn-lt"/>
+              </a:rPr>
+              <a:t>classification[1] </a:t>
+            </a:r>
+            <a:r>
+              <a:rPr lang="en-GB" sz="3400" dirty="0">
+                <a:latin typeface="+mn-lt"/>
+              </a:rPr>
+              <a:t>and TIMIT phone </a:t>
+            </a:r>
+            <a:r>
+              <a:rPr lang="en-GB" sz="3400" dirty="0" smtClean="0">
+                <a:latin typeface="+mn-lt"/>
+              </a:rPr>
+              <a:t>recognition[6].</a:t>
+            </a:r>
+            <a:endParaRPr lang="en-US" sz="3400" dirty="0">
+              <a:latin typeface="+mn-lt"/>
+            </a:endParaRPr>
+          </a:p>
+        </p:txBody>
+      </p:sp>
       <p:sp>
         <p:nvSpPr>
           <p:cNvPr id="45" name="Rectangle 44"/>
@@ -5112,8 +5191,8 @@
         </p:nvSpPr>
         <p:spPr>
           <a:xfrm>
-            <a:off x="28564681" y="3777456"/>
-            <a:ext cx="12600000" cy="1188993"/>
+            <a:off x="28180709" y="3777456"/>
+            <a:ext cx="12960000" cy="1188993"/>
           </a:xfrm>
           <a:prstGeom prst="rect">
             <a:avLst/>
@@ -5147,7 +5226,7 @@
           <a:p>
             <a:pPr algn="ctr"/>
             <a:r>
-              <a:rPr lang="en-US" sz="7800" b="1" dirty="0">
+              <a:rPr lang="en-US" sz="7800" b="1" dirty="0" smtClean="0">
                 <a:solidFill>
                   <a:schemeClr val="accent3">
                     <a:lumMod val="20000"/>
@@ -5157,6 +5236,14 @@
               </a:rPr>
               <a:t>Results</a:t>
             </a:r>
+            <a:endParaRPr lang="en-US" sz="7800" b="1" dirty="0">
+              <a:solidFill>
+                <a:schemeClr val="accent3">
+                  <a:lumMod val="20000"/>
+                  <a:lumOff val="80000"/>
+                </a:schemeClr>
+              </a:solidFill>
+            </a:endParaRPr>
           </a:p>
         </p:txBody>
       </p:sp>
@@ -5170,7 +5257,7 @@
         </p:nvSpPr>
         <p:spPr bwMode="auto">
           <a:xfrm>
-            <a:off x="28748787" y="8373887"/>
+            <a:off x="28364815" y="8501856"/>
             <a:ext cx="6055825" cy="572593"/>
           </a:xfrm>
           <a:prstGeom prst="rect">
@@ -5324,17 +5411,8 @@
               <a:rPr lang="en-US" sz="3121" dirty="0">
                 <a:latin typeface="Calibri" pitchFamily="34" charset="0"/>
               </a:rPr>
-              <a:t> </a:t>
-            </a:r>
-            <a:r>
-              <a:rPr lang="en-US" sz="3121" dirty="0">
-                <a:latin typeface="Calibri" pitchFamily="34" charset="0"/>
-              </a:rPr>
-              <a:t>CTCC Model Training Times.</a:t>
-            </a:r>
-            <a:endParaRPr lang="en-US" sz="3121" dirty="0">
-              <a:latin typeface="Calibri" pitchFamily="34" charset="0"/>
-            </a:endParaRPr>
+              <a:t> CTCC Model Training Times.</a:t>
+            </a:r>
           </a:p>
         </p:txBody>
       </p:sp>
@@ -5345,13 +5423,13 @@
           <p:nvPr>
             <p:extLst>
               <p:ext uri="{D42A27DB-BD31-4B8C-83A1-F6EECF244321}">
-                <p14:modId xmlns:p14="http://schemas.microsoft.com/office/powerpoint/2010/main" val="2699011138"/>
+                <p14:modId xmlns:p14="http://schemas.microsoft.com/office/powerpoint/2010/main" val="962284573"/>
               </p:ext>
             </p:extLst>
           </p:nvPr>
         </p:nvGraphicFramePr>
         <p:xfrm>
-          <a:off x="15327321" y="10787856"/>
+          <a:off x="14943349" y="10787856"/>
           <a:ext cx="12600000" cy="5186512"/>
         </p:xfrm>
         <a:graphic>
@@ -5370,7 +5448,7 @@
         </p:nvSpPr>
         <p:spPr bwMode="auto">
           <a:xfrm>
-            <a:off x="15278881" y="15969456"/>
+            <a:off x="14894909" y="15969456"/>
             <a:ext cx="12600000" cy="1052852"/>
           </a:xfrm>
           <a:prstGeom prst="rect">
@@ -5518,37 +5596,13 @@
               <a:rPr lang="en-US" sz="3121" b="1" dirty="0">
                 <a:latin typeface="Calibri" pitchFamily="34" charset="0"/>
               </a:rPr>
-              <a:t>Figure </a:t>
-            </a:r>
-            <a:r>
-              <a:rPr lang="en-US" sz="3121" b="1" dirty="0">
-                <a:latin typeface="Calibri" pitchFamily="34" charset="0"/>
-              </a:rPr>
-              <a:t>2.</a:t>
+              <a:t>Figure 2.</a:t>
             </a:r>
             <a:r>
               <a:rPr lang="en-US" sz="3121" dirty="0">
                 <a:latin typeface="Calibri" pitchFamily="34" charset="0"/>
               </a:rPr>
-              <a:t> WER, </a:t>
-            </a:r>
-            <a:r>
-              <a:rPr lang="en-US" sz="3121" dirty="0">
-                <a:latin typeface="Calibri" pitchFamily="34" charset="0"/>
-              </a:rPr>
-              <a:t>where w &lt; x &lt; y &lt; z are </a:t>
-            </a:r>
-            <a:r>
-              <a:rPr lang="en-US" sz="3121" dirty="0">
-                <a:latin typeface="Calibri" pitchFamily="34" charset="0"/>
-              </a:rPr>
-              <a:t>taken </a:t>
-            </a:r>
-            <a:r>
-              <a:rPr lang="en-US" sz="3121" dirty="0">
-                <a:latin typeface="Calibri" pitchFamily="34" charset="0"/>
-              </a:rPr>
-              <a:t>arbitrarily across the total number of epochs</a:t>
+              <a:t> WER, where w &lt; x &lt; y &lt; z are taken arbitrarily across the total number of epochs</a:t>
             </a:r>
           </a:p>
         </p:txBody>
@@ -5560,13 +5614,13 @@
           <p:nvPr>
             <p:extLst>
               <p:ext uri="{D42A27DB-BD31-4B8C-83A1-F6EECF244321}">
-                <p14:modId xmlns:p14="http://schemas.microsoft.com/office/powerpoint/2010/main" val="4067263413"/>
+                <p14:modId xmlns:p14="http://schemas.microsoft.com/office/powerpoint/2010/main" val="206291422"/>
               </p:ext>
             </p:extLst>
           </p:nvPr>
         </p:nvGraphicFramePr>
         <p:xfrm>
-          <a:off x="15235215" y="3805872"/>
+          <a:off x="14851243" y="3805872"/>
           <a:ext cx="12600000" cy="5867119"/>
         </p:xfrm>
         <a:graphic>
@@ -5585,7 +5639,7 @@
         </p:nvSpPr>
         <p:spPr bwMode="auto">
           <a:xfrm>
-            <a:off x="15339862" y="9721056"/>
+            <a:off x="14955890" y="9721056"/>
             <a:ext cx="12600000" cy="1052852"/>
           </a:xfrm>
           <a:prstGeom prst="rect">
@@ -5741,9 +5795,6 @@
               </a:rPr>
               <a:t> Training Loss, where w &lt; x &lt; y &lt; z are taken arbitrarily across the total number of epochs</a:t>
             </a:r>
-            <a:endParaRPr lang="en-US" sz="3121" dirty="0">
-              <a:latin typeface="Calibri" pitchFamily="34" charset="0"/>
-            </a:endParaRPr>
           </a:p>
         </p:txBody>
       </p:sp>
@@ -6115,19 +6166,7 @@
                     </a:solidFill>
                     <a:latin typeface="+mn-lt"/>
                   </a:rPr>
-                  <a:t>Iyalla John </a:t>
-                </a:r>
-                <a:r>
-                  <a:rPr lang="en-US" sz="6243" dirty="0">
-                    <a:solidFill>
-                      <a:schemeClr val="accent3">
-                        <a:lumMod val="20000"/>
-                        <a:lumOff val="80000"/>
-                      </a:schemeClr>
-                    </a:solidFill>
-                    <a:latin typeface="+mn-lt"/>
-                  </a:rPr>
-                  <a:t>Alamina</a:t>
+                  <a:t>Iyalla John Alamina</a:t>
                 </a:r>
                 <a:r>
                   <a:rPr lang="en-US" sz="6243" baseline="30000" dirty="0">
@@ -6266,7 +6305,7 @@
         </p:nvGrpSpPr>
         <p:grpSpPr>
           <a:xfrm>
-            <a:off x="15316828" y="18550730"/>
+            <a:off x="14932856" y="18550730"/>
             <a:ext cx="12714453" cy="5419726"/>
             <a:chOff x="15235215" y="17051133"/>
             <a:chExt cx="12714453" cy="5419726"/>
@@ -6565,7 +6604,7 @@
         </p:nvSpPr>
         <p:spPr bwMode="auto">
           <a:xfrm>
-            <a:off x="15247780" y="24114577"/>
+            <a:off x="14863808" y="24114577"/>
             <a:ext cx="12600000" cy="572593"/>
           </a:xfrm>
           <a:prstGeom prst="rect">

--- a/thesis_paper/poster04.pptx
+++ b/thesis_paper/poster04.pptx
@@ -2452,7 +2452,7 @@
           <a:p>
             <a:fld id="{985D6BDF-9D0E-4E2B-85B8-D8F4790360C9}" type="datetimeFigureOut">
               <a:rPr lang="en-US" smtClean="0"/>
-              <a:t>6/20/2019</a:t>
+              <a:t>6/21/2019</a:t>
             </a:fld>
             <a:endParaRPr lang="en-US" dirty="0"/>
           </a:p>
@@ -2672,7 +2672,7 @@
           <a:p>
             <a:fld id="{985D6BDF-9D0E-4E2B-85B8-D8F4790360C9}" type="datetimeFigureOut">
               <a:rPr lang="en-US" smtClean="0"/>
-              <a:t>6/20/2019</a:t>
+              <a:t>6/21/2019</a:t>
             </a:fld>
             <a:endParaRPr lang="en-US" dirty="0"/>
           </a:p>
@@ -3702,13 +3702,25 @@
               <a:rPr lang="en-US" sz="3400" dirty="0">
                 <a:latin typeface="Calibri" pitchFamily="34" charset="0"/>
               </a:rPr>
-              <a:t>The output of the training produced mostly gibberish when trained in both configurations using only just one hour of training </a:t>
+              <a:t>The output of the training produced mostly gibberish when trained in </a:t>
             </a:r>
             <a:r>
               <a:rPr lang="en-US" sz="3400" dirty="0" smtClean="0">
                 <a:latin typeface="Calibri" pitchFamily="34" charset="0"/>
               </a:rPr>
-              <a:t>data Training </a:t>
+              <a:t>only one </a:t>
+            </a:r>
+            <a:r>
+              <a:rPr lang="en-US" sz="3400" dirty="0">
+                <a:latin typeface="Calibri" pitchFamily="34" charset="0"/>
+              </a:rPr>
+              <a:t>hour of training </a:t>
+            </a:r>
+            <a:r>
+              <a:rPr lang="en-US" sz="3400" dirty="0" smtClean="0">
+                <a:latin typeface="Calibri" pitchFamily="34" charset="0"/>
+              </a:rPr>
+              <a:t>data.  Training </a:t>
             </a:r>
             <a:r>
               <a:rPr lang="en-US" sz="3400" dirty="0">
@@ -3873,19 +3885,25 @@
               <a:rPr lang="en-GB" sz="3400" dirty="0" smtClean="0">
                 <a:latin typeface="Calibri" pitchFamily="34" charset="0"/>
               </a:rPr>
-              <a:t>developed from Mozilla </a:t>
-            </a:r>
-            <a:r>
-              <a:rPr lang="en-GB" sz="3400" dirty="0" err="1" smtClean="0">
-                <a:latin typeface="Calibri" pitchFamily="34" charset="0"/>
-              </a:rPr>
-              <a:t>deepspeech</a:t>
+              <a:t>developed from </a:t>
+            </a:r>
+            <a:r>
+              <a:rPr lang="en-GB" sz="3400" smtClean="0">
+                <a:latin typeface="Calibri" pitchFamily="34" charset="0"/>
+              </a:rPr>
+              <a:t>Mozilla </a:t>
+            </a:r>
+            <a:r>
+              <a:rPr lang="en-GB" sz="3400" smtClean="0">
+                <a:latin typeface="Calibri" pitchFamily="34" charset="0"/>
+              </a:rPr>
+              <a:t>Deep speech	` </a:t>
             </a:r>
             <a:r>
               <a:rPr lang="en-GB" sz="3400" dirty="0" smtClean="0">
                 <a:latin typeface="Calibri" pitchFamily="34" charset="0"/>
               </a:rPr>
-              <a:t> [5] </a:t>
+              <a:t>[5] </a:t>
             </a:r>
             <a:r>
               <a:rPr lang="en-GB" sz="3400" dirty="0">
@@ -3945,7 +3963,7 @@
               <a:rPr lang="en-GB" sz="3400" dirty="0" smtClean="0">
                 <a:latin typeface="Calibri" pitchFamily="34" charset="0"/>
               </a:rPr>
-              <a:t>of an average 5 of seconds per recording.  </a:t>
+              <a:t>of an average of 5 seconds per recording.  </a:t>
             </a:r>
             <a:r>
               <a:rPr lang="en-GB" sz="3400" dirty="0">
@@ -4491,7 +4509,7 @@
           <p:nvPr>
             <p:extLst>
               <p:ext uri="{D42A27DB-BD31-4B8C-83A1-F6EECF244321}">
-                <p14:modId xmlns:p14="http://schemas.microsoft.com/office/powerpoint/2010/main" val="2768790732"/>
+                <p14:modId xmlns:p14="http://schemas.microsoft.com/office/powerpoint/2010/main" val="2373339531"/>
               </p:ext>
             </p:extLst>
           </p:nvPr>
@@ -4785,7 +4803,7 @@
                     <a:p>
                       <a:r>
                         <a:rPr lang="en-US" sz="3600" dirty="0" smtClean="0"/>
-                        <a:t>3. 5xGPU 15GB RA</a:t>
+                        <a:t>3. 5xGPU 15GB RAM</a:t>
                       </a:r>
                       <a:endParaRPr lang="en-US" sz="3600" dirty="0"/>
                     </a:p>
@@ -5157,7 +5175,19 @@
               <a:rPr lang="en-GB" sz="3400" dirty="0">
                 <a:latin typeface="+mn-lt"/>
               </a:rPr>
-              <a:t>a higher dimension (152 compared to 39).  These deep scattering vectors have been shown to perform well on music genre </a:t>
+              <a:t>a higher dimension (</a:t>
+            </a:r>
+            <a:r>
+              <a:rPr lang="en-GB" sz="3400" dirty="0" smtClean="0">
+                <a:latin typeface="+mn-lt"/>
+              </a:rPr>
+              <a:t>165 </a:t>
+            </a:r>
+            <a:r>
+              <a:rPr lang="en-GB" sz="3400" dirty="0">
+                <a:latin typeface="+mn-lt"/>
+              </a:rPr>
+              <a:t>compared to 39).  These deep scattering vectors have been shown to perform well on music genre </a:t>
             </a:r>
             <a:r>
               <a:rPr lang="en-GB" sz="3400" dirty="0" smtClean="0">

--- a/thesis_paper/poster04.pptx
+++ b/thesis_paper/poster04.pptx
@@ -2452,7 +2452,7 @@
           <a:p>
             <a:fld id="{985D6BDF-9D0E-4E2B-85B8-D8F4790360C9}" type="datetimeFigureOut">
               <a:rPr lang="en-US" smtClean="0"/>
-              <a:t>6/21/2019</a:t>
+              <a:t>6/22/2019</a:t>
             </a:fld>
             <a:endParaRPr lang="en-US" dirty="0"/>
           </a:p>
@@ -2672,7 +2672,7 @@
           <a:p>
             <a:fld id="{985D6BDF-9D0E-4E2B-85B8-D8F4790360C9}" type="datetimeFigureOut">
               <a:rPr lang="en-US" smtClean="0"/>
-              <a:t>6/21/2019</a:t>
+              <a:t>6/22/2019</a:t>
             </a:fld>
             <a:endParaRPr lang="en-US" dirty="0"/>
           </a:p>
@@ -3891,13 +3891,7 @@
               <a:rPr lang="en-GB" sz="3400" smtClean="0">
                 <a:latin typeface="Calibri" pitchFamily="34" charset="0"/>
               </a:rPr>
-              <a:t>Mozilla </a:t>
-            </a:r>
-            <a:r>
-              <a:rPr lang="en-GB" sz="3400" smtClean="0">
-                <a:latin typeface="Calibri" pitchFamily="34" charset="0"/>
-              </a:rPr>
-              <a:t>Deep speech	` </a:t>
+              <a:t>Mozilla Deep speech	` </a:t>
             </a:r>
             <a:r>
               <a:rPr lang="en-GB" sz="3400" dirty="0" smtClean="0">
@@ -5151,7 +5145,19 @@
               <a:rPr lang="en-GB" sz="3400" dirty="0">
                 <a:latin typeface="+mn-lt"/>
               </a:rPr>
-              <a:t>scattering features which compared to MFCC posses </a:t>
+              <a:t>scattering features which compared to </a:t>
+            </a:r>
+            <a:r>
+              <a:rPr lang="en-GB" sz="3400">
+                <a:latin typeface="+mn-lt"/>
+              </a:rPr>
+              <a:t>MFCC </a:t>
+            </a:r>
+            <a:r>
+              <a:rPr lang="en-GB" sz="3400" smtClean="0">
+                <a:latin typeface="+mn-lt"/>
+              </a:rPr>
+              <a:t>possess </a:t>
             </a:r>
             <a:r>
               <a:rPr lang="en-GB" sz="3400" dirty="0" smtClean="0">

--- a/thesis_paper/poster04.pptx
+++ b/thesis_paper/poster04.pptx
@@ -2452,7 +2452,7 @@
           <a:p>
             <a:fld id="{985D6BDF-9D0E-4E2B-85B8-D8F4790360C9}" type="datetimeFigureOut">
               <a:rPr lang="en-US" smtClean="0"/>
-              <a:t>6/22/2019</a:t>
+              <a:t>7/2/2019</a:t>
             </a:fld>
             <a:endParaRPr lang="en-US" dirty="0"/>
           </a:p>
@@ -2672,7 +2672,7 @@
           <a:p>
             <a:fld id="{985D6BDF-9D0E-4E2B-85B8-D8F4790360C9}" type="datetimeFigureOut">
               <a:rPr lang="en-US" smtClean="0"/>
-              <a:t>6/22/2019</a:t>
+              <a:t>7/2/2019</a:t>
             </a:fld>
             <a:endParaRPr lang="en-US" dirty="0"/>
           </a:p>
@@ -3885,19 +3885,19 @@
               <a:rPr lang="en-GB" sz="3400" dirty="0" smtClean="0">
                 <a:latin typeface="Calibri" pitchFamily="34" charset="0"/>
               </a:rPr>
-              <a:t>developed from </a:t>
-            </a:r>
-            <a:r>
-              <a:rPr lang="en-GB" sz="3400" smtClean="0">
-                <a:latin typeface="Calibri" pitchFamily="34" charset="0"/>
-              </a:rPr>
-              <a:t>Mozilla Deep speech	` </a:t>
+              <a:t>developed from Mozilla Deep </a:t>
             </a:r>
             <a:r>
               <a:rPr lang="en-GB" sz="3400" dirty="0" smtClean="0">
                 <a:latin typeface="Calibri" pitchFamily="34" charset="0"/>
               </a:rPr>
-              <a:t>[5] </a:t>
+              <a:t>speech[5</a:t>
+            </a:r>
+            <a:r>
+              <a:rPr lang="en-GB" sz="3400" dirty="0" smtClean="0">
+                <a:latin typeface="Calibri" pitchFamily="34" charset="0"/>
+              </a:rPr>
+              <a:t>] </a:t>
             </a:r>
             <a:r>
               <a:rPr lang="en-GB" sz="3400" dirty="0">
@@ -5145,43 +5145,31 @@
               <a:rPr lang="en-GB" sz="3400" dirty="0">
                 <a:latin typeface="+mn-lt"/>
               </a:rPr>
-              <a:t>scattering features which compared to </a:t>
-            </a:r>
-            <a:r>
-              <a:rPr lang="en-GB" sz="3400">
-                <a:latin typeface="+mn-lt"/>
-              </a:rPr>
-              <a:t>MFCC </a:t>
-            </a:r>
-            <a:r>
-              <a:rPr lang="en-GB" sz="3400" smtClean="0">
-                <a:latin typeface="+mn-lt"/>
-              </a:rPr>
-              <a:t>possess </a:t>
+              <a:t>scattering features which compared to MFCC </a:t>
             </a:r>
             <a:r>
               <a:rPr lang="en-GB" sz="3400" dirty="0" smtClean="0">
                 <a:latin typeface="+mn-lt"/>
               </a:rPr>
-              <a:t>a greater </a:t>
+              <a:t>possess a </a:t>
+            </a:r>
+            <a:r>
+              <a:rPr lang="en-GB" sz="3400" dirty="0" smtClean="0">
+                <a:latin typeface="+mn-lt"/>
+              </a:rPr>
+              <a:t>higher dimension of </a:t>
             </a:r>
             <a:r>
               <a:rPr lang="en-GB" sz="3400" dirty="0">
                 <a:latin typeface="+mn-lt"/>
               </a:rPr>
-              <a:t>number of features </a:t>
+              <a:t>features </a:t>
             </a:r>
             <a:r>
               <a:rPr lang="en-GB" sz="3400" dirty="0" smtClean="0">
                 <a:latin typeface="+mn-lt"/>
               </a:rPr>
-              <a:t>of </a:t>
-            </a:r>
-            <a:r>
-              <a:rPr lang="en-GB" sz="3400" dirty="0">
-                <a:latin typeface="+mn-lt"/>
-              </a:rPr>
-              <a:t>a higher dimension (</a:t>
+              <a:t>(</a:t>
             </a:r>
             <a:r>
               <a:rPr lang="en-GB" sz="3400" dirty="0" smtClean="0">
